--- a/Presentation/winkie（仮称）.pptx
+++ b/Presentation/winkie（仮称）.pptx
@@ -10,6 +10,7 @@
     <p:sldId id="260" r:id="rId4"/>
     <p:sldId id="259" r:id="rId5"/>
     <p:sldId id="258" r:id="rId6"/>
+    <p:sldId id="261" r:id="rId7"/>
   </p:sldIdLst>
   <p:sldSz cx="9144000" cy="6858000" type="screen4x3"/>
   <p:notesSz cx="6858000" cy="9144000"/>
@@ -108,6 +109,11 @@
       </a:defRPr>
     </a:lvl9pPr>
   </p:defaultTextStyle>
+  <p:extLst>
+    <p:ext uri="{EFAFB233-063F-42B5-8137-9DF3F51BA10A}">
+      <p15:sldGuideLst xmlns:p15="http://schemas.microsoft.com/office/powerpoint/2012/main"/>
+    </p:ext>
+  </p:extLst>
 </p:presentation>
 </file>
 
@@ -628,7 +634,7 @@
             <a:fld id="{B61BEF0D-F0BB-DE4B-95CE-6DB70DBA9567}" type="datetimeFigureOut">
               <a:rPr lang="en-US" smtClean="0"/>
               <a:pPr/>
-              <a:t>12/23/15</a:t>
+              <a:t>12/24/15</a:t>
             </a:fld>
             <a:endParaRPr lang="en-US" dirty="0"/>
           </a:p>
@@ -730,7 +736,7 @@
           </a:ln>
           <a:extLst>
             <a:ext uri="{91240B29-F687-4f45-9708-019B960494DF}">
-              <a14:hiddenLine xmlns="" xmlns:a14="http://schemas.microsoft.com/office/drawing/2010/main" w="9525">
+              <a14:hiddenLine xmlns:a14="http://schemas.microsoft.com/office/drawing/2010/main" xmlns="" w="9525">
                 <a:solidFill>
                   <a:srgbClr val="000000"/>
                 </a:solidFill>
@@ -785,7 +791,7 @@
           </a:ln>
           <a:extLst>
             <a:ext uri="{91240B29-F687-4f45-9708-019B960494DF}">
-              <a14:hiddenLine xmlns="" xmlns:a14="http://schemas.microsoft.com/office/drawing/2010/main" w="9525">
+              <a14:hiddenLine xmlns:a14="http://schemas.microsoft.com/office/drawing/2010/main" xmlns="" w="9525">
                 <a:solidFill>
                   <a:srgbClr val="000000"/>
                 </a:solidFill>
@@ -1041,7 +1047,7 @@
             <a:fld id="{B61BEF0D-F0BB-DE4B-95CE-6DB70DBA9567}" type="datetimeFigureOut">
               <a:rPr lang="en-US" smtClean="0"/>
               <a:pPr/>
-              <a:t>12/23/15</a:t>
+              <a:t>12/24/15</a:t>
             </a:fld>
             <a:endParaRPr lang="en-US" dirty="0"/>
           </a:p>
@@ -1291,7 +1297,7 @@
             <a:fld id="{B61BEF0D-F0BB-DE4B-95CE-6DB70DBA9567}" type="datetimeFigureOut">
               <a:rPr lang="en-US" smtClean="0"/>
               <a:pPr/>
-              <a:t>12/23/15</a:t>
+              <a:t>12/24/15</a:t>
             </a:fld>
             <a:endParaRPr lang="en-US" dirty="0"/>
           </a:p>
@@ -1833,7 +1839,7 @@
             <a:fld id="{B61BEF0D-F0BB-DE4B-95CE-6DB70DBA9567}" type="datetimeFigureOut">
               <a:rPr lang="en-US" smtClean="0"/>
               <a:pPr/>
-              <a:t>12/23/15</a:t>
+              <a:t>12/24/15</a:t>
             </a:fld>
             <a:endParaRPr lang="en-US" dirty="0"/>
           </a:p>
@@ -2083,7 +2089,7 @@
             <a:fld id="{B61BEF0D-F0BB-DE4B-95CE-6DB70DBA9567}" type="datetimeFigureOut">
               <a:rPr lang="en-US" smtClean="0"/>
               <a:pPr/>
-              <a:t>12/23/15</a:t>
+              <a:t>12/24/15</a:t>
             </a:fld>
             <a:endParaRPr lang="en-US" dirty="0"/>
           </a:p>
@@ -2617,7 +2623,7 @@
             <a:fld id="{B61BEF0D-F0BB-DE4B-95CE-6DB70DBA9567}" type="datetimeFigureOut">
               <a:rPr lang="en-US" smtClean="0"/>
               <a:pPr/>
-              <a:t>12/23/15</a:t>
+              <a:t>12/24/15</a:t>
             </a:fld>
             <a:endParaRPr lang="en-US" dirty="0"/>
           </a:p>
@@ -2916,7 +2922,7 @@
             <a:fld id="{B61BEF0D-F0BB-DE4B-95CE-6DB70DBA9567}" type="datetimeFigureOut">
               <a:rPr lang="en-US" smtClean="0"/>
               <a:pPr/>
-              <a:t>12/23/15</a:t>
+              <a:t>12/24/15</a:t>
             </a:fld>
             <a:endParaRPr lang="en-US" dirty="0"/>
           </a:p>
@@ -3124,7 +3130,7 @@
             <a:fld id="{B61BEF0D-F0BB-DE4B-95CE-6DB70DBA9567}" type="datetimeFigureOut">
               <a:rPr lang="en-US" smtClean="0"/>
               <a:pPr/>
-              <a:t>12/23/15</a:t>
+              <a:t>12/24/15</a:t>
             </a:fld>
             <a:endParaRPr lang="en-US" dirty="0"/>
           </a:p>
@@ -3338,7 +3344,7 @@
             <a:fld id="{B61BEF0D-F0BB-DE4B-95CE-6DB70DBA9567}" type="datetimeFigureOut">
               <a:rPr lang="en-US" smtClean="0"/>
               <a:pPr/>
-              <a:t>12/23/15</a:t>
+              <a:t>12/24/15</a:t>
             </a:fld>
             <a:endParaRPr lang="en-US" dirty="0"/>
           </a:p>
@@ -3557,7 +3563,7 @@
             <a:fld id="{B61BEF0D-F0BB-DE4B-95CE-6DB70DBA9567}" type="datetimeFigureOut">
               <a:rPr lang="en-US" smtClean="0"/>
               <a:pPr/>
-              <a:t>12/23/15</a:t>
+              <a:t>12/24/15</a:t>
             </a:fld>
             <a:endParaRPr lang="en-US" dirty="0"/>
           </a:p>
@@ -3815,7 +3821,7 @@
             <a:fld id="{B61BEF0D-F0BB-DE4B-95CE-6DB70DBA9567}" type="datetimeFigureOut">
               <a:rPr lang="en-US" smtClean="0"/>
               <a:pPr/>
-              <a:t>12/23/15</a:t>
+              <a:t>12/24/15</a:t>
             </a:fld>
             <a:endParaRPr lang="en-US" dirty="0"/>
           </a:p>
@@ -4183,7 +4189,7 @@
             <a:fld id="{B61BEF0D-F0BB-DE4B-95CE-6DB70DBA9567}" type="datetimeFigureOut">
               <a:rPr lang="en-US" smtClean="0"/>
               <a:pPr/>
-              <a:t>12/23/15</a:t>
+              <a:t>12/24/15</a:t>
             </a:fld>
             <a:endParaRPr lang="en-US" dirty="0"/>
           </a:p>
@@ -4691,7 +4697,7 @@
             <a:fld id="{B61BEF0D-F0BB-DE4B-95CE-6DB70DBA9567}" type="datetimeFigureOut">
               <a:rPr lang="en-US" smtClean="0"/>
               <a:pPr/>
-              <a:t>12/23/15</a:t>
+              <a:t>12/24/15</a:t>
             </a:fld>
             <a:endParaRPr lang="en-US" dirty="0"/>
           </a:p>
@@ -4811,7 +4817,7 @@
             <a:fld id="{B61BEF0D-F0BB-DE4B-95CE-6DB70DBA9567}" type="datetimeFigureOut">
               <a:rPr lang="en-US" smtClean="0"/>
               <a:pPr/>
-              <a:t>12/23/15</a:t>
+              <a:t>12/24/15</a:t>
             </a:fld>
             <a:endParaRPr lang="en-US" dirty="0"/>
           </a:p>
@@ -4908,7 +4914,7 @@
             <a:fld id="{B61BEF0D-F0BB-DE4B-95CE-6DB70DBA9567}" type="datetimeFigureOut">
               <a:rPr lang="en-US" smtClean="0"/>
               <a:pPr/>
-              <a:t>12/23/15</a:t>
+              <a:t>12/24/15</a:t>
             </a:fld>
             <a:endParaRPr lang="en-US" dirty="0"/>
           </a:p>
@@ -5225,7 +5231,7 @@
             <a:fld id="{B61BEF0D-F0BB-DE4B-95CE-6DB70DBA9567}" type="datetimeFigureOut">
               <a:rPr lang="en-US" smtClean="0"/>
               <a:pPr/>
-              <a:t>12/23/15</a:t>
+              <a:t>12/24/15</a:t>
             </a:fld>
             <a:endParaRPr lang="en-US" dirty="0"/>
           </a:p>
@@ -5518,7 +5524,7 @@
             <a:fld id="{B61BEF0D-F0BB-DE4B-95CE-6DB70DBA9567}" type="datetimeFigureOut">
               <a:rPr lang="en-US" smtClean="0"/>
               <a:pPr/>
-              <a:t>12/23/15</a:t>
+              <a:t>12/24/15</a:t>
             </a:fld>
             <a:endParaRPr lang="en-US" dirty="0"/>
           </a:p>
@@ -6076,7 +6082,7 @@
             <a:fld id="{B61BEF0D-F0BB-DE4B-95CE-6DB70DBA9567}" type="datetimeFigureOut">
               <a:rPr lang="en-US" smtClean="0"/>
               <a:pPr/>
-              <a:t>12/23/15</a:t>
+              <a:t>12/24/15</a:t>
             </a:fld>
             <a:endParaRPr lang="en-US" dirty="0"/>
           </a:p>
@@ -7791,6 +7797,134 @@
 </p:sld>
 </file>
 
+<file path=ppt/slides/slide6.xml><?xml version="1.0" encoding="utf-8"?>
+<p:sld xmlns:a="http://schemas.openxmlformats.org/drawingml/2006/main" xmlns:r="http://schemas.openxmlformats.org/officeDocument/2006/relationships" xmlns:p="http://schemas.openxmlformats.org/presentationml/2006/main">
+  <p:cSld>
+    <p:spTree>
+      <p:nvGrpSpPr>
+        <p:cNvPr id="1" name=""/>
+        <p:cNvGrpSpPr/>
+        <p:nvPr/>
+      </p:nvGrpSpPr>
+      <p:grpSpPr>
+        <a:xfrm>
+          <a:off x="0" y="0"/>
+          <a:ext cx="0" cy="0"/>
+          <a:chOff x="0" y="0"/>
+          <a:chExt cx="0" cy="0"/>
+        </a:xfrm>
+      </p:grpSpPr>
+      <p:sp>
+        <p:nvSpPr>
+          <p:cNvPr id="2" name="タイトル 1"/>
+          <p:cNvSpPr>
+            <a:spLocks noGrp="1"/>
+          </p:cNvSpPr>
+          <p:nvPr>
+            <p:ph type="title"/>
+          </p:nvPr>
+        </p:nvSpPr>
+        <p:spPr/>
+        <p:txBody>
+          <a:bodyPr/>
+          <a:lstStyle/>
+          <a:p>
+            <a:r>
+              <a:rPr kumimoji="1" lang="en-US" altLang="ja-JP" dirty="0" smtClean="0"/>
+              <a:t>Our Vision</a:t>
+            </a:r>
+            <a:endParaRPr kumimoji="1" lang="ja-JP" altLang="en-US" dirty="0"/>
+          </a:p>
+        </p:txBody>
+      </p:sp>
+      <p:sp>
+        <p:nvSpPr>
+          <p:cNvPr id="3" name="コンテンツ プレースホルダー 2"/>
+          <p:cNvSpPr>
+            <a:spLocks noGrp="1"/>
+          </p:cNvSpPr>
+          <p:nvPr>
+            <p:ph idx="1"/>
+          </p:nvPr>
+        </p:nvSpPr>
+        <p:spPr>
+          <a:xfrm>
+            <a:off x="982133" y="2666999"/>
+            <a:ext cx="7704667" cy="3829493"/>
+          </a:xfrm>
+        </p:spPr>
+        <p:txBody>
+          <a:bodyPr/>
+          <a:lstStyle/>
+          <a:p>
+            <a:r>
+              <a:rPr kumimoji="1" lang="en-US" altLang="ja-JP" dirty="0" smtClean="0"/>
+              <a:t>Trigger &amp; facilitate communication</a:t>
+            </a:r>
+          </a:p>
+          <a:p>
+            <a:r>
+              <a:rPr lang="en-US" altLang="ja-JP" dirty="0" smtClean="0"/>
+              <a:t>Fusion of real &amp; virtual</a:t>
+            </a:r>
+            <a:endParaRPr kumimoji="1" lang="en-US" altLang="ja-JP" dirty="0" smtClean="0"/>
+          </a:p>
+          <a:p>
+            <a:endParaRPr kumimoji="1" lang="en-US" altLang="ja-JP" dirty="0" smtClean="0"/>
+          </a:p>
+          <a:p>
+            <a:r>
+              <a:rPr kumimoji="1" lang="en-US" altLang="ja-JP" dirty="0" smtClean="0"/>
+              <a:t>Question the way of </a:t>
+            </a:r>
+            <a:r>
+              <a:rPr kumimoji="1" lang="en-US" altLang="ja-JP" dirty="0" err="1" smtClean="0"/>
+              <a:t>IoT</a:t>
+            </a:r>
+            <a:endParaRPr kumimoji="1" lang="en-US" altLang="ja-JP" dirty="0" smtClean="0"/>
+          </a:p>
+          <a:p>
+            <a:pPr lvl="1"/>
+            <a:r>
+              <a:rPr lang="en-US" altLang="ja-JP" dirty="0" smtClean="0"/>
+              <a:t>Does everything really </a:t>
+            </a:r>
+            <a:r>
+              <a:rPr lang="en-US" altLang="ja-JP" smtClean="0"/>
+              <a:t>need an Internet access?</a:t>
+            </a:r>
+            <a:endParaRPr lang="en-US" altLang="ja-JP" dirty="0" smtClean="0"/>
+          </a:p>
+          <a:p>
+            <a:pPr lvl="1"/>
+            <a:r>
+              <a:rPr lang="en-US" altLang="ja-JP" dirty="0" smtClean="0"/>
+              <a:t>e.g. with IR transmitter on glasses &amp; receiver on every device</a:t>
+            </a:r>
+          </a:p>
+          <a:p>
+            <a:pPr lvl="2"/>
+            <a:r>
+              <a:rPr lang="en-US" altLang="ja-JP" dirty="0" smtClean="0"/>
+              <a:t>Simple &amp; easily personalized</a:t>
+            </a:r>
+            <a:endParaRPr kumimoji="1" lang="en-US" altLang="ja-JP" dirty="0" smtClean="0"/>
+          </a:p>
+        </p:txBody>
+      </p:sp>
+    </p:spTree>
+    <p:extLst>
+      <p:ext uri="{BB962C8B-B14F-4D97-AF65-F5344CB8AC3E}">
+        <p14:creationId xmlns:p14="http://schemas.microsoft.com/office/powerpoint/2010/main" val="341680367"/>
+      </p:ext>
+    </p:extLst>
+  </p:cSld>
+  <p:clrMapOvr>
+    <a:masterClrMapping/>
+  </p:clrMapOvr>
+</p:sld>
+</file>
+
 <file path=ppt/theme/theme1.xml><?xml version="1.0" encoding="utf-8"?>
 <a:theme xmlns:a="http://schemas.openxmlformats.org/drawingml/2006/main" name="視差">
   <a:themeElements>

--- a/Presentation/winkie（仮称）.pptx
+++ b/Presentation/winkie（仮称）.pptx
@@ -10,7 +10,7 @@
     <p:sldId id="260" r:id="rId4"/>
     <p:sldId id="259" r:id="rId5"/>
     <p:sldId id="258" r:id="rId6"/>
-    <p:sldId id="261" r:id="rId7"/>
+    <p:sldId id="264" r:id="rId7"/>
   </p:sldIdLst>
   <p:sldSz cx="9144000" cy="6858000" type="screen4x3"/>
   <p:notesSz cx="6858000" cy="9144000"/>
@@ -736,7 +736,7 @@
           </a:ln>
           <a:extLst>
             <a:ext uri="{91240B29-F687-4f45-9708-019B960494DF}">
-              <a14:hiddenLine xmlns:a14="http://schemas.microsoft.com/office/drawing/2010/main" xmlns="" w="9525">
+              <a14:hiddenLine xmlns="" xmlns:a14="http://schemas.microsoft.com/office/drawing/2010/main" w="9525">
                 <a:solidFill>
                   <a:srgbClr val="000000"/>
                 </a:solidFill>
@@ -791,7 +791,7 @@
           </a:ln>
           <a:extLst>
             <a:ext uri="{91240B29-F687-4f45-9708-019B960494DF}">
-              <a14:hiddenLine xmlns:a14="http://schemas.microsoft.com/office/drawing/2010/main" xmlns="" w="9525">
+              <a14:hiddenLine xmlns="" xmlns:a14="http://schemas.microsoft.com/office/drawing/2010/main" w="9525">
                 <a:solidFill>
                   <a:srgbClr val="000000"/>
                 </a:solidFill>
@@ -6630,8 +6630,59 @@
           <a:lstStyle/>
           <a:p>
             <a:r>
-              <a:rPr lang="en-US" altLang="ja-JP" dirty="0" err="1" smtClean="0"/>
-              <a:t>winkie</a:t>
+              <a:rPr lang="en-US" altLang="ja-JP" dirty="0" smtClean="0"/>
+              <a:t>WINC</a:t>
+            </a:r>
+            <a:br>
+              <a:rPr lang="en-US" altLang="ja-JP" dirty="0" smtClean="0"/>
+            </a:br>
+            <a:r>
+              <a:rPr lang="en-US" altLang="ja-JP" sz="2000" dirty="0" smtClean="0">
+                <a:solidFill>
+                  <a:srgbClr val="FF0000"/>
+                </a:solidFill>
+              </a:rPr>
+              <a:t>W</a:t>
+            </a:r>
+            <a:r>
+              <a:rPr lang="en-US" altLang="ja-JP" sz="2000" dirty="0" smtClean="0"/>
+              <a:t>INC </a:t>
+            </a:r>
+            <a:r>
+              <a:rPr lang="en-US" altLang="ja-JP" sz="2000" dirty="0" smtClean="0">
+                <a:solidFill>
+                  <a:srgbClr val="FF0000"/>
+                </a:solidFill>
+              </a:rPr>
+              <a:t>I</a:t>
+            </a:r>
+            <a:r>
+              <a:rPr lang="en-US" altLang="ja-JP" sz="2000" dirty="0" smtClean="0"/>
+              <a:t>s </a:t>
+            </a:r>
+            <a:r>
+              <a:rPr lang="en-US" altLang="ja-JP" sz="2000" dirty="0" smtClean="0">
+                <a:solidFill>
+                  <a:srgbClr val="FF0000"/>
+                </a:solidFill>
+              </a:rPr>
+              <a:t>N</a:t>
+            </a:r>
+            <a:r>
+              <a:rPr lang="en-US" altLang="ja-JP" sz="2000" dirty="0" smtClean="0"/>
+              <a:t>ot a </a:t>
+            </a:r>
+            <a:r>
+              <a:rPr lang="en-US" altLang="ja-JP" sz="2000" dirty="0" smtClean="0">
+                <a:solidFill>
+                  <a:srgbClr val="FF0000"/>
+                </a:solidFill>
+              </a:rPr>
+              <a:t>C</a:t>
+            </a:r>
+            <a:r>
+              <a:rPr lang="en-US" altLang="ja-JP" sz="2000" dirty="0" smtClean="0"/>
+              <a:t>ommunication</a:t>
             </a:r>
             <a:endParaRPr kumimoji="1" lang="ja-JP" altLang="en-US" dirty="0"/>
           </a:p>
@@ -6753,7 +6804,15 @@
           <a:p>
             <a:r>
               <a:rPr lang="en-US" altLang="ja-JP" dirty="0" smtClean="0"/>
-              <a:t>Exchange contact info via IR</a:t>
+              <a:t>Exchange </a:t>
+            </a:r>
+            <a:r>
+              <a:rPr lang="en-US" altLang="ja-JP" dirty="0" smtClean="0"/>
+              <a:t>info </a:t>
+            </a:r>
+            <a:r>
+              <a:rPr lang="en-US" altLang="ja-JP" dirty="0" smtClean="0"/>
+              <a:t>via IR</a:t>
             </a:r>
           </a:p>
           <a:p>
@@ -6762,8 +6821,13 @@
           <a:p>
             <a:r>
               <a:rPr lang="en-US" altLang="ja-JP" dirty="0" smtClean="0"/>
-              <a:t>Just put it on your glasses and WINK!</a:t>
-            </a:r>
+              <a:t>Just put it on your glasses and </a:t>
+            </a:r>
+            <a:r>
+              <a:rPr lang="en-US" altLang="ja-JP" dirty="0" smtClean="0"/>
+              <a:t>WINC!</a:t>
+            </a:r>
+            <a:endParaRPr lang="en-US" altLang="ja-JP" dirty="0" smtClean="0"/>
           </a:p>
           <a:p>
             <a:pPr lvl="1"/>
@@ -6777,9 +6841,152 @@
             </a:r>
             <a:r>
               <a:rPr lang="en-US" altLang="ja-JP" dirty="0" smtClean="0"/>
-              <a:t> BDM is for glass-wearing Otaku only.)</a:t>
+              <a:t> BDM is for </a:t>
+            </a:r>
+            <a:r>
+              <a:rPr lang="en-US" altLang="ja-JP" dirty="0" smtClean="0"/>
+              <a:t>glasses-wearing </a:t>
+            </a:r>
+            <a:r>
+              <a:rPr lang="en-US" altLang="ja-JP" dirty="0" smtClean="0"/>
+              <a:t>Otaku only.)</a:t>
             </a:r>
             <a:endParaRPr kumimoji="1" lang="ja-JP" altLang="en-US" dirty="0"/>
+          </a:p>
+        </p:txBody>
+      </p:sp>
+      <p:sp>
+        <p:nvSpPr>
+          <p:cNvPr id="4" name="正方形/長方形 3"/>
+          <p:cNvSpPr/>
+          <p:nvPr/>
+        </p:nvSpPr>
+        <p:spPr>
+          <a:xfrm>
+            <a:off x="6071191" y="19737"/>
+            <a:ext cx="3072809" cy="646331"/>
+          </a:xfrm>
+          <a:prstGeom prst="rect">
+            <a:avLst/>
+          </a:prstGeom>
+        </p:spPr>
+        <p:txBody>
+          <a:bodyPr wrap="square">
+            <a:spAutoFit/>
+          </a:bodyPr>
+          <a:lstStyle/>
+          <a:p>
+            <a:pPr algn="r"/>
+            <a:r>
+              <a:rPr lang="en-US" altLang="ja-JP" dirty="0">
+                <a:solidFill>
+                  <a:schemeClr val="bg2">
+                    <a:lumMod val="50000"/>
+                  </a:schemeClr>
+                </a:solidFill>
+              </a:rPr>
+              <a:t>WINC</a:t>
+            </a:r>
+            <a:br>
+              <a:rPr lang="en-US" altLang="ja-JP" dirty="0">
+                <a:solidFill>
+                  <a:schemeClr val="bg2">
+                    <a:lumMod val="50000"/>
+                  </a:schemeClr>
+                </a:solidFill>
+              </a:rPr>
+            </a:br>
+            <a:r>
+              <a:rPr lang="en-US" altLang="ja-JP" dirty="0">
+                <a:solidFill>
+                  <a:schemeClr val="accent2">
+                    <a:lumMod val="60000"/>
+                    <a:lumOff val="40000"/>
+                  </a:schemeClr>
+                </a:solidFill>
+              </a:rPr>
+              <a:t>W</a:t>
+            </a:r>
+            <a:r>
+              <a:rPr lang="en-US" altLang="ja-JP" dirty="0">
+                <a:solidFill>
+                  <a:schemeClr val="bg2">
+                    <a:lumMod val="50000"/>
+                  </a:schemeClr>
+                </a:solidFill>
+              </a:rPr>
+              <a:t>INC </a:t>
+            </a:r>
+            <a:r>
+              <a:rPr lang="en-US" altLang="ja-JP" dirty="0">
+                <a:solidFill>
+                  <a:schemeClr val="accent2">
+                    <a:lumMod val="60000"/>
+                    <a:lumOff val="40000"/>
+                  </a:schemeClr>
+                </a:solidFill>
+              </a:rPr>
+              <a:t>I</a:t>
+            </a:r>
+            <a:r>
+              <a:rPr lang="en-US" altLang="ja-JP" dirty="0">
+                <a:solidFill>
+                  <a:schemeClr val="bg2">
+                    <a:lumMod val="50000"/>
+                  </a:schemeClr>
+                </a:solidFill>
+              </a:rPr>
+              <a:t>s </a:t>
+            </a:r>
+            <a:r>
+              <a:rPr lang="en-US" altLang="ja-JP" dirty="0">
+                <a:solidFill>
+                  <a:schemeClr val="accent2">
+                    <a:lumMod val="60000"/>
+                    <a:lumOff val="40000"/>
+                  </a:schemeClr>
+                </a:solidFill>
+              </a:rPr>
+              <a:t>N</a:t>
+            </a:r>
+            <a:r>
+              <a:rPr lang="en-US" altLang="ja-JP" dirty="0">
+                <a:solidFill>
+                  <a:schemeClr val="bg2">
+                    <a:lumMod val="50000"/>
+                  </a:schemeClr>
+                </a:solidFill>
+              </a:rPr>
+              <a:t>ot a </a:t>
+            </a:r>
+            <a:r>
+              <a:rPr lang="en-US" altLang="ja-JP" dirty="0">
+                <a:solidFill>
+                  <a:schemeClr val="accent2">
+                    <a:lumMod val="60000"/>
+                    <a:lumOff val="40000"/>
+                  </a:schemeClr>
+                </a:solidFill>
+              </a:rPr>
+              <a:t>C</a:t>
+            </a:r>
+            <a:r>
+              <a:rPr lang="en-US" altLang="ja-JP" dirty="0">
+                <a:solidFill>
+                  <a:schemeClr val="bg2">
+                    <a:lumMod val="50000"/>
+                  </a:schemeClr>
+                </a:solidFill>
+              </a:rPr>
+              <a:t>ommunication</a:t>
+            </a:r>
+            <a:endParaRPr lang="ja-JP" altLang="en-US" dirty="0">
+              <a:solidFill>
+                <a:schemeClr val="bg2">
+                  <a:lumMod val="50000"/>
+                </a:schemeClr>
+              </a:solidFill>
+            </a:endParaRPr>
           </a:p>
         </p:txBody>
       </p:sp>
@@ -6837,6 +7044,10 @@
               <a:rPr kumimoji="1" lang="en-US" altLang="ja-JP" dirty="0" err="1" smtClean="0"/>
               <a:t>Hardwares</a:t>
             </a:r>
+            <a:r>
+              <a:rPr kumimoji="1" lang="en-US" altLang="ja-JP" dirty="0" smtClean="0"/>
+              <a:t> &amp; Flow</a:t>
+            </a:r>
             <a:endParaRPr kumimoji="1" lang="ja-JP" altLang="en-US" dirty="0"/>
           </a:p>
         </p:txBody>
@@ -7411,7 +7622,7 @@
         <p:spPr>
           <a:xfrm>
             <a:off x="3215090" y="6042743"/>
-            <a:ext cx="2282613" cy="369332"/>
+            <a:ext cx="2119363" cy="369332"/>
           </a:xfrm>
           <a:prstGeom prst="rect">
             <a:avLst/>
@@ -7425,8 +7636,16 @@
           <a:lstStyle/>
           <a:p>
             <a:r>
-              <a:rPr kumimoji="1" lang="en-US" altLang="ja-JP" smtClean="0"/>
-              <a:t>Send Contact on Wink</a:t>
+              <a:rPr kumimoji="1" lang="en-US" altLang="ja-JP" dirty="0" smtClean="0"/>
+              <a:t>Send </a:t>
+            </a:r>
+            <a:r>
+              <a:rPr kumimoji="1" lang="en-US" altLang="ja-JP" dirty="0" smtClean="0"/>
+              <a:t>Signal </a:t>
+            </a:r>
+            <a:r>
+              <a:rPr kumimoji="1" lang="en-US" altLang="ja-JP" dirty="0" smtClean="0"/>
+              <a:t>on Wink</a:t>
             </a:r>
             <a:endParaRPr kumimoji="1" lang="ja-JP" altLang="en-US" dirty="0"/>
           </a:p>
@@ -7552,7 +7771,7 @@
         <p:spPr>
           <a:xfrm>
             <a:off x="6012394" y="1784648"/>
-            <a:ext cx="2812629" cy="369332"/>
+            <a:ext cx="2414892" cy="369332"/>
           </a:xfrm>
           <a:prstGeom prst="rect">
             <a:avLst/>
@@ -7573,7 +7792,17 @@
                   </a:schemeClr>
                 </a:solidFill>
               </a:rPr>
-              <a:t>Receive &amp; Follow on Twitter</a:t>
+              <a:t>Receive &amp; </a:t>
+            </a:r>
+            <a:r>
+              <a:rPr kumimoji="1" lang="en-US" altLang="ja-JP" dirty="0" smtClean="0">
+                <a:solidFill>
+                  <a:schemeClr val="accent1">
+                    <a:lumMod val="50000"/>
+                  </a:schemeClr>
+                </a:solidFill>
+              </a:rPr>
+              <a:t>Process Data</a:t>
             </a:r>
             <a:endParaRPr kumimoji="1" lang="ja-JP" altLang="en-US" dirty="0">
               <a:solidFill>
@@ -7618,6 +7847,141 @@
             <a:endParaRPr kumimoji="1" lang="ja-JP" altLang="en-US" sz="2400" dirty="0">
               <a:solidFill>
                 <a:schemeClr val="bg1"/>
+              </a:solidFill>
+            </a:endParaRPr>
+          </a:p>
+        </p:txBody>
+      </p:sp>
+      <p:sp>
+        <p:nvSpPr>
+          <p:cNvPr id="26" name="正方形/長方形 25"/>
+          <p:cNvSpPr/>
+          <p:nvPr/>
+        </p:nvSpPr>
+        <p:spPr>
+          <a:xfrm>
+            <a:off x="6071191" y="19737"/>
+            <a:ext cx="3072809" cy="646331"/>
+          </a:xfrm>
+          <a:prstGeom prst="rect">
+            <a:avLst/>
+          </a:prstGeom>
+        </p:spPr>
+        <p:txBody>
+          <a:bodyPr wrap="square">
+            <a:spAutoFit/>
+          </a:bodyPr>
+          <a:lstStyle/>
+          <a:p>
+            <a:pPr algn="r"/>
+            <a:r>
+              <a:rPr lang="en-US" altLang="ja-JP" dirty="0">
+                <a:solidFill>
+                  <a:schemeClr val="bg2">
+                    <a:lumMod val="50000"/>
+                  </a:schemeClr>
+                </a:solidFill>
+              </a:rPr>
+              <a:t>WINC</a:t>
+            </a:r>
+            <a:br>
+              <a:rPr lang="en-US" altLang="ja-JP" dirty="0">
+                <a:solidFill>
+                  <a:schemeClr val="bg2">
+                    <a:lumMod val="50000"/>
+                  </a:schemeClr>
+                </a:solidFill>
+              </a:rPr>
+            </a:br>
+            <a:r>
+              <a:rPr lang="en-US" altLang="ja-JP" dirty="0">
+                <a:solidFill>
+                  <a:schemeClr val="accent2">
+                    <a:lumMod val="60000"/>
+                    <a:lumOff val="40000"/>
+                  </a:schemeClr>
+                </a:solidFill>
+              </a:rPr>
+              <a:t>W</a:t>
+            </a:r>
+            <a:r>
+              <a:rPr lang="en-US" altLang="ja-JP" dirty="0">
+                <a:solidFill>
+                  <a:schemeClr val="bg2">
+                    <a:lumMod val="50000"/>
+                  </a:schemeClr>
+                </a:solidFill>
+              </a:rPr>
+              <a:t>INC </a:t>
+            </a:r>
+            <a:r>
+              <a:rPr lang="en-US" altLang="ja-JP" dirty="0">
+                <a:solidFill>
+                  <a:schemeClr val="accent2">
+                    <a:lumMod val="60000"/>
+                    <a:lumOff val="40000"/>
+                  </a:schemeClr>
+                </a:solidFill>
+              </a:rPr>
+              <a:t>I</a:t>
+            </a:r>
+            <a:r>
+              <a:rPr lang="en-US" altLang="ja-JP" dirty="0">
+                <a:solidFill>
+                  <a:schemeClr val="bg2">
+                    <a:lumMod val="50000"/>
+                  </a:schemeClr>
+                </a:solidFill>
+              </a:rPr>
+              <a:t>s </a:t>
+            </a:r>
+            <a:r>
+              <a:rPr lang="en-US" altLang="ja-JP" dirty="0">
+                <a:solidFill>
+                  <a:schemeClr val="accent2">
+                    <a:lumMod val="60000"/>
+                    <a:lumOff val="40000"/>
+                  </a:schemeClr>
+                </a:solidFill>
+              </a:rPr>
+              <a:t>N</a:t>
+            </a:r>
+            <a:r>
+              <a:rPr lang="en-US" altLang="ja-JP" dirty="0">
+                <a:solidFill>
+                  <a:schemeClr val="bg2">
+                    <a:lumMod val="50000"/>
+                  </a:schemeClr>
+                </a:solidFill>
+              </a:rPr>
+              <a:t>ot a </a:t>
+            </a:r>
+            <a:r>
+              <a:rPr lang="en-US" altLang="ja-JP" dirty="0">
+                <a:solidFill>
+                  <a:schemeClr val="accent2">
+                    <a:lumMod val="60000"/>
+                    <a:lumOff val="40000"/>
+                  </a:schemeClr>
+                </a:solidFill>
+              </a:rPr>
+              <a:t>C</a:t>
+            </a:r>
+            <a:r>
+              <a:rPr lang="en-US" altLang="ja-JP" dirty="0">
+                <a:solidFill>
+                  <a:schemeClr val="bg2">
+                    <a:lumMod val="50000"/>
+                  </a:schemeClr>
+                </a:solidFill>
+              </a:rPr>
+              <a:t>ommunication</a:t>
+            </a:r>
+            <a:endParaRPr lang="ja-JP" altLang="en-US" dirty="0">
+              <a:solidFill>
+                <a:schemeClr val="bg2">
+                  <a:lumMod val="50000"/>
+                </a:schemeClr>
               </a:solidFill>
             </a:endParaRPr>
           </a:p>
@@ -7669,8 +8033,8 @@
           <a:lstStyle/>
           <a:p>
             <a:r>
-              <a:rPr lang="en-US" altLang="ja-JP" dirty="0" err="1" smtClean="0"/>
-              <a:t>Omake</a:t>
+              <a:rPr lang="en-US" altLang="ja-JP" dirty="0" smtClean="0"/>
+              <a:t>Applications – Clicker Mode</a:t>
             </a:r>
             <a:endParaRPr kumimoji="1" lang="ja-JP" altLang="en-US" dirty="0"/>
           </a:p>
@@ -7697,18 +8061,168 @@
             </a:r>
           </a:p>
           <a:p>
+            <a:pPr lvl="1"/>
             <a:r>
               <a:rPr kumimoji="1" lang="en-US" altLang="ja-JP" dirty="0" smtClean="0"/>
-              <a:t>Play Cookie Clicker without using your hands</a:t>
+              <a:t>Use as a mouse button</a:t>
             </a:r>
           </a:p>
           <a:p>
             <a:pPr lvl="1"/>
             <a:r>
+              <a:rPr kumimoji="1" lang="en-US" altLang="ja-JP" dirty="0" smtClean="0"/>
+              <a:t>Play </a:t>
+            </a:r>
+            <a:r>
+              <a:rPr kumimoji="1" lang="en-US" altLang="ja-JP" dirty="0" smtClean="0"/>
+              <a:t>Cookie Clicker without using your hands</a:t>
+            </a:r>
+          </a:p>
+          <a:p>
+            <a:pPr lvl="1"/>
+            <a:r>
               <a:rPr lang="en-US" altLang="ja-JP" dirty="0" smtClean="0"/>
-              <a:t>No worries about breaking your mouse</a:t>
-            </a:r>
-            <a:endParaRPr kumimoji="1" lang="ja-JP" altLang="en-US" dirty="0"/>
+              <a:t>No worries about breaking your </a:t>
+            </a:r>
+            <a:r>
+              <a:rPr lang="en-US" altLang="ja-JP" dirty="0" smtClean="0"/>
+              <a:t>mouse</a:t>
+            </a:r>
+          </a:p>
+        </p:txBody>
+      </p:sp>
+      <p:sp>
+        <p:nvSpPr>
+          <p:cNvPr id="6" name="正方形/長方形 5"/>
+          <p:cNvSpPr/>
+          <p:nvPr/>
+        </p:nvSpPr>
+        <p:spPr>
+          <a:xfrm>
+            <a:off x="6071191" y="19737"/>
+            <a:ext cx="3072809" cy="646331"/>
+          </a:xfrm>
+          <a:prstGeom prst="rect">
+            <a:avLst/>
+          </a:prstGeom>
+        </p:spPr>
+        <p:txBody>
+          <a:bodyPr wrap="square">
+            <a:spAutoFit/>
+          </a:bodyPr>
+          <a:lstStyle/>
+          <a:p>
+            <a:pPr algn="r"/>
+            <a:r>
+              <a:rPr lang="en-US" altLang="ja-JP" dirty="0">
+                <a:solidFill>
+                  <a:schemeClr val="bg2">
+                    <a:lumMod val="50000"/>
+                  </a:schemeClr>
+                </a:solidFill>
+              </a:rPr>
+              <a:t>WINC</a:t>
+            </a:r>
+            <a:br>
+              <a:rPr lang="en-US" altLang="ja-JP" dirty="0">
+                <a:solidFill>
+                  <a:schemeClr val="bg2">
+                    <a:lumMod val="50000"/>
+                  </a:schemeClr>
+                </a:solidFill>
+              </a:rPr>
+            </a:br>
+            <a:r>
+              <a:rPr lang="en-US" altLang="ja-JP" dirty="0">
+                <a:solidFill>
+                  <a:schemeClr val="accent2">
+                    <a:lumMod val="60000"/>
+                    <a:lumOff val="40000"/>
+                  </a:schemeClr>
+                </a:solidFill>
+              </a:rPr>
+              <a:t>W</a:t>
+            </a:r>
+            <a:r>
+              <a:rPr lang="en-US" altLang="ja-JP" dirty="0">
+                <a:solidFill>
+                  <a:schemeClr val="bg2">
+                    <a:lumMod val="50000"/>
+                  </a:schemeClr>
+                </a:solidFill>
+              </a:rPr>
+              <a:t>INC </a:t>
+            </a:r>
+            <a:r>
+              <a:rPr lang="en-US" altLang="ja-JP" dirty="0">
+                <a:solidFill>
+                  <a:schemeClr val="accent2">
+                    <a:lumMod val="60000"/>
+                    <a:lumOff val="40000"/>
+                  </a:schemeClr>
+                </a:solidFill>
+              </a:rPr>
+              <a:t>I</a:t>
+            </a:r>
+            <a:r>
+              <a:rPr lang="en-US" altLang="ja-JP" dirty="0">
+                <a:solidFill>
+                  <a:schemeClr val="bg2">
+                    <a:lumMod val="50000"/>
+                  </a:schemeClr>
+                </a:solidFill>
+              </a:rPr>
+              <a:t>s </a:t>
+            </a:r>
+            <a:r>
+              <a:rPr lang="en-US" altLang="ja-JP" dirty="0">
+                <a:solidFill>
+                  <a:schemeClr val="accent2">
+                    <a:lumMod val="60000"/>
+                    <a:lumOff val="40000"/>
+                  </a:schemeClr>
+                </a:solidFill>
+              </a:rPr>
+              <a:t>N</a:t>
+            </a:r>
+            <a:r>
+              <a:rPr lang="en-US" altLang="ja-JP" dirty="0">
+                <a:solidFill>
+                  <a:schemeClr val="bg2">
+                    <a:lumMod val="50000"/>
+                  </a:schemeClr>
+                </a:solidFill>
+              </a:rPr>
+              <a:t>ot a </a:t>
+            </a:r>
+            <a:r>
+              <a:rPr lang="en-US" altLang="ja-JP" dirty="0">
+                <a:solidFill>
+                  <a:schemeClr val="accent2">
+                    <a:lumMod val="60000"/>
+                    <a:lumOff val="40000"/>
+                  </a:schemeClr>
+                </a:solidFill>
+              </a:rPr>
+              <a:t>C</a:t>
+            </a:r>
+            <a:r>
+              <a:rPr lang="en-US" altLang="ja-JP" dirty="0">
+                <a:solidFill>
+                  <a:schemeClr val="bg2">
+                    <a:lumMod val="50000"/>
+                  </a:schemeClr>
+                </a:solidFill>
+              </a:rPr>
+              <a:t>ommunication</a:t>
+            </a:r>
+            <a:endParaRPr lang="ja-JP" altLang="en-US" dirty="0">
+              <a:solidFill>
+                <a:schemeClr val="bg2">
+                  <a:lumMod val="50000"/>
+                </a:schemeClr>
+              </a:solidFill>
+            </a:endParaRPr>
           </a:p>
         </p:txBody>
       </p:sp>
@@ -7758,8 +8272,8 @@
           <a:lstStyle/>
           <a:p>
             <a:r>
-              <a:rPr kumimoji="1" lang="en-US" altLang="ja-JP" dirty="0" smtClean="0"/>
-              <a:t>Demonstration</a:t>
+              <a:rPr lang="en-US" altLang="ja-JP" dirty="0"/>
+              <a:t>Applications – Signal Sender</a:t>
             </a:r>
             <a:endParaRPr kumimoji="1" lang="ja-JP" altLang="en-US" dirty="0"/>
           </a:p>
@@ -7775,12 +8289,223 @@
             <p:ph idx="1"/>
           </p:nvPr>
         </p:nvSpPr>
-        <p:spPr/>
-        <p:txBody>
-          <a:bodyPr/>
-          <a:lstStyle/>
+        <p:spPr>
+          <a:xfrm>
+            <a:off x="982133" y="2666999"/>
+            <a:ext cx="7704667" cy="4020879"/>
+          </a:xfrm>
+        </p:spPr>
+        <p:txBody>
+          <a:bodyPr>
+            <a:normAutofit/>
+          </a:bodyPr>
+          <a:lstStyle/>
+          <a:p>
+            <a:r>
+              <a:rPr lang="en-US" altLang="ja-JP" dirty="0"/>
+              <a:t>Question the way of </a:t>
+            </a:r>
+            <a:r>
+              <a:rPr lang="en-US" altLang="ja-JP" dirty="0" err="1"/>
+              <a:t>IoT</a:t>
+            </a:r>
+            <a:endParaRPr lang="en-US" altLang="ja-JP" dirty="0"/>
+          </a:p>
+          <a:p>
+            <a:pPr lvl="1"/>
+            <a:r>
+              <a:rPr lang="en-US" altLang="ja-JP" dirty="0"/>
+              <a:t>Does everything really need an Internet access</a:t>
+            </a:r>
+            <a:r>
+              <a:rPr lang="en-US" altLang="ja-JP" dirty="0" smtClean="0"/>
+              <a:t>?</a:t>
+            </a:r>
+          </a:p>
+          <a:p>
+            <a:endParaRPr lang="en-US" altLang="ja-JP" dirty="0" smtClean="0"/>
+          </a:p>
+          <a:p>
+            <a:r>
+              <a:rPr lang="en-US" altLang="ja-JP" dirty="0" smtClean="0"/>
+              <a:t>Weather Forecast Displayer</a:t>
+            </a:r>
+            <a:endParaRPr lang="en-US" altLang="ja-JP" dirty="0"/>
+          </a:p>
+          <a:p>
+            <a:pPr lvl="1"/>
+            <a:r>
+              <a:rPr lang="en-US" altLang="ja-JP" dirty="0" smtClean="0"/>
+              <a:t>IR </a:t>
+            </a:r>
+            <a:r>
+              <a:rPr lang="en-US" altLang="ja-JP" dirty="0"/>
+              <a:t>transmitter on </a:t>
+            </a:r>
+            <a:r>
+              <a:rPr lang="en-US" altLang="ja-JP" dirty="0" smtClean="0"/>
+              <a:t>glasses</a:t>
+            </a:r>
+          </a:p>
+          <a:p>
+            <a:pPr lvl="2"/>
+            <a:r>
+              <a:rPr lang="en-US" altLang="ja-JP" dirty="0" smtClean="0"/>
+              <a:t>Device only needs IR receiver</a:t>
+            </a:r>
+          </a:p>
+          <a:p>
+            <a:pPr lvl="2"/>
+            <a:r>
+              <a:rPr lang="en-US" altLang="ja-JP" dirty="0" smtClean="0"/>
+              <a:t>Cheap</a:t>
+            </a:r>
+            <a:endParaRPr lang="en-US" altLang="ja-JP" dirty="0"/>
+          </a:p>
+          <a:p>
+            <a:pPr lvl="2"/>
+            <a:r>
+              <a:rPr lang="en-US" altLang="ja-JP" dirty="0"/>
+              <a:t>Simple &amp; easily personalized</a:t>
+            </a:r>
+          </a:p>
           <a:p>
             <a:endParaRPr kumimoji="1" lang="ja-JP" altLang="en-US" dirty="0"/>
+          </a:p>
+        </p:txBody>
+      </p:sp>
+      <p:sp>
+        <p:nvSpPr>
+          <p:cNvPr id="4" name="正方形/長方形 3"/>
+          <p:cNvSpPr/>
+          <p:nvPr/>
+        </p:nvSpPr>
+        <p:spPr>
+          <a:xfrm>
+            <a:off x="6071191" y="19737"/>
+            <a:ext cx="3072809" cy="646331"/>
+          </a:xfrm>
+          <a:prstGeom prst="rect">
+            <a:avLst/>
+          </a:prstGeom>
+        </p:spPr>
+        <p:txBody>
+          <a:bodyPr wrap="square">
+            <a:spAutoFit/>
+          </a:bodyPr>
+          <a:lstStyle/>
+          <a:p>
+            <a:pPr algn="r"/>
+            <a:r>
+              <a:rPr lang="en-US" altLang="ja-JP" dirty="0">
+                <a:solidFill>
+                  <a:schemeClr val="bg2">
+                    <a:lumMod val="50000"/>
+                  </a:schemeClr>
+                </a:solidFill>
+              </a:rPr>
+              <a:t>WINC</a:t>
+            </a:r>
+            <a:br>
+              <a:rPr lang="en-US" altLang="ja-JP" dirty="0">
+                <a:solidFill>
+                  <a:schemeClr val="bg2">
+                    <a:lumMod val="50000"/>
+                  </a:schemeClr>
+                </a:solidFill>
+              </a:rPr>
+            </a:br>
+            <a:r>
+              <a:rPr lang="en-US" altLang="ja-JP" dirty="0">
+                <a:solidFill>
+                  <a:schemeClr val="accent2">
+                    <a:lumMod val="60000"/>
+                    <a:lumOff val="40000"/>
+                  </a:schemeClr>
+                </a:solidFill>
+              </a:rPr>
+              <a:t>W</a:t>
+            </a:r>
+            <a:r>
+              <a:rPr lang="en-US" altLang="ja-JP" dirty="0">
+                <a:solidFill>
+                  <a:schemeClr val="bg2">
+                    <a:lumMod val="50000"/>
+                  </a:schemeClr>
+                </a:solidFill>
+              </a:rPr>
+              <a:t>INC </a:t>
+            </a:r>
+            <a:r>
+              <a:rPr lang="en-US" altLang="ja-JP" dirty="0">
+                <a:solidFill>
+                  <a:schemeClr val="accent2">
+                    <a:lumMod val="60000"/>
+                    <a:lumOff val="40000"/>
+                  </a:schemeClr>
+                </a:solidFill>
+              </a:rPr>
+              <a:t>I</a:t>
+            </a:r>
+            <a:r>
+              <a:rPr lang="en-US" altLang="ja-JP" dirty="0">
+                <a:solidFill>
+                  <a:schemeClr val="bg2">
+                    <a:lumMod val="50000"/>
+                  </a:schemeClr>
+                </a:solidFill>
+              </a:rPr>
+              <a:t>s </a:t>
+            </a:r>
+            <a:r>
+              <a:rPr lang="en-US" altLang="ja-JP" dirty="0">
+                <a:solidFill>
+                  <a:schemeClr val="accent2">
+                    <a:lumMod val="60000"/>
+                    <a:lumOff val="40000"/>
+                  </a:schemeClr>
+                </a:solidFill>
+              </a:rPr>
+              <a:t>N</a:t>
+            </a:r>
+            <a:r>
+              <a:rPr lang="en-US" altLang="ja-JP" dirty="0">
+                <a:solidFill>
+                  <a:schemeClr val="bg2">
+                    <a:lumMod val="50000"/>
+                  </a:schemeClr>
+                </a:solidFill>
+              </a:rPr>
+              <a:t>ot a </a:t>
+            </a:r>
+            <a:r>
+              <a:rPr lang="en-US" altLang="ja-JP" dirty="0">
+                <a:solidFill>
+                  <a:schemeClr val="accent2">
+                    <a:lumMod val="60000"/>
+                    <a:lumOff val="40000"/>
+                  </a:schemeClr>
+                </a:solidFill>
+              </a:rPr>
+              <a:t>C</a:t>
+            </a:r>
+            <a:r>
+              <a:rPr lang="en-US" altLang="ja-JP" dirty="0">
+                <a:solidFill>
+                  <a:schemeClr val="bg2">
+                    <a:lumMod val="50000"/>
+                  </a:schemeClr>
+                </a:solidFill>
+              </a:rPr>
+              <a:t>ommunication</a:t>
+            </a:r>
+            <a:endParaRPr lang="ja-JP" altLang="en-US" dirty="0">
+              <a:solidFill>
+                <a:schemeClr val="bg2">
+                  <a:lumMod val="50000"/>
+                </a:schemeClr>
+              </a:solidFill>
+            </a:endParaRPr>
           </a:p>
         </p:txBody>
       </p:sp>
@@ -7830,8 +8555,12 @@
           <a:lstStyle/>
           <a:p>
             <a:r>
-              <a:rPr kumimoji="1" lang="en-US" altLang="ja-JP" dirty="0" smtClean="0"/>
-              <a:t>Our Vision</a:t>
+              <a:rPr lang="en-US" altLang="ja-JP" dirty="0"/>
+              <a:t>Applications – </a:t>
+            </a:r>
+            <a:r>
+              <a:rPr lang="en-US" altLang="ja-JP" dirty="0" smtClean="0"/>
+              <a:t>Contact Exchange</a:t>
             </a:r>
             <a:endParaRPr kumimoji="1" lang="ja-JP" altLang="en-US" dirty="0"/>
           </a:p>
@@ -7850,72 +8579,169 @@
         <p:spPr>
           <a:xfrm>
             <a:off x="982133" y="2666999"/>
-            <a:ext cx="7704667" cy="3829493"/>
+            <a:ext cx="7704667" cy="4020879"/>
           </a:xfrm>
         </p:spPr>
         <p:txBody>
-          <a:bodyPr/>
-          <a:lstStyle/>
-          <a:p>
-            <a:r>
-              <a:rPr kumimoji="1" lang="en-US" altLang="ja-JP" dirty="0" smtClean="0"/>
+          <a:bodyPr>
+            <a:normAutofit/>
+          </a:bodyPr>
+          <a:lstStyle/>
+          <a:p>
+            <a:r>
+              <a:rPr lang="en-US" altLang="ja-JP" dirty="0" smtClean="0"/>
+              <a:t>Exchange contact info between devices</a:t>
+            </a:r>
+          </a:p>
+          <a:p>
+            <a:pPr lvl="1"/>
+            <a:r>
+              <a:rPr lang="en-US" altLang="ja-JP" dirty="0" smtClean="0"/>
               <a:t>Trigger &amp; facilitate communication</a:t>
             </a:r>
-          </a:p>
-          <a:p>
-            <a:r>
-              <a:rPr lang="en-US" altLang="ja-JP" dirty="0" smtClean="0"/>
-              <a:t>Fusion of real &amp; virtual</a:t>
-            </a:r>
-            <a:endParaRPr kumimoji="1" lang="en-US" altLang="ja-JP" dirty="0" smtClean="0"/>
-          </a:p>
-          <a:p>
-            <a:endParaRPr kumimoji="1" lang="en-US" altLang="ja-JP" dirty="0" smtClean="0"/>
-          </a:p>
-          <a:p>
-            <a:r>
-              <a:rPr kumimoji="1" lang="en-US" altLang="ja-JP" dirty="0" smtClean="0"/>
-              <a:t>Question the way of </a:t>
-            </a:r>
-            <a:r>
-              <a:rPr kumimoji="1" lang="en-US" altLang="ja-JP" dirty="0" err="1" smtClean="0"/>
-              <a:t>IoT</a:t>
-            </a:r>
-            <a:endParaRPr kumimoji="1" lang="en-US" altLang="ja-JP" dirty="0" smtClean="0"/>
-          </a:p>
-          <a:p>
-            <a:pPr lvl="1"/>
-            <a:r>
-              <a:rPr lang="en-US" altLang="ja-JP" dirty="0" smtClean="0"/>
-              <a:t>Does everything really </a:t>
-            </a:r>
-            <a:r>
-              <a:rPr lang="en-US" altLang="ja-JP" smtClean="0"/>
-              <a:t>need an Internet access?</a:t>
-            </a:r>
-            <a:endParaRPr lang="en-US" altLang="ja-JP" dirty="0" smtClean="0"/>
-          </a:p>
-          <a:p>
-            <a:pPr lvl="1"/>
-            <a:r>
-              <a:rPr lang="en-US" altLang="ja-JP" dirty="0" smtClean="0"/>
-              <a:t>e.g. with IR transmitter on glasses &amp; receiver on every device</a:t>
-            </a:r>
-          </a:p>
-          <a:p>
-            <a:pPr lvl="2"/>
-            <a:r>
-              <a:rPr lang="en-US" altLang="ja-JP" dirty="0" smtClean="0"/>
-              <a:t>Simple &amp; easily personalized</a:t>
-            </a:r>
-            <a:endParaRPr kumimoji="1" lang="en-US" altLang="ja-JP" dirty="0" smtClean="0"/>
+            <a:endParaRPr kumimoji="1" lang="ja-JP" altLang="en-US" dirty="0"/>
+          </a:p>
+        </p:txBody>
+      </p:sp>
+      <p:sp>
+        <p:nvSpPr>
+          <p:cNvPr id="4" name="正方形/長方形 3"/>
+          <p:cNvSpPr/>
+          <p:nvPr/>
+        </p:nvSpPr>
+        <p:spPr>
+          <a:xfrm>
+            <a:off x="6071191" y="19737"/>
+            <a:ext cx="3072809" cy="646331"/>
+          </a:xfrm>
+          <a:prstGeom prst="rect">
+            <a:avLst/>
+          </a:prstGeom>
+        </p:spPr>
+        <p:txBody>
+          <a:bodyPr wrap="square">
+            <a:spAutoFit/>
+          </a:bodyPr>
+          <a:lstStyle/>
+          <a:p>
+            <a:pPr algn="r"/>
+            <a:r>
+              <a:rPr lang="en-US" altLang="ja-JP" dirty="0">
+                <a:solidFill>
+                  <a:schemeClr val="bg2">
+                    <a:lumMod val="50000"/>
+                  </a:schemeClr>
+                </a:solidFill>
+              </a:rPr>
+              <a:t>WINC</a:t>
+            </a:r>
+            <a:br>
+              <a:rPr lang="en-US" altLang="ja-JP" dirty="0">
+                <a:solidFill>
+                  <a:schemeClr val="bg2">
+                    <a:lumMod val="50000"/>
+                  </a:schemeClr>
+                </a:solidFill>
+              </a:rPr>
+            </a:br>
+            <a:r>
+              <a:rPr lang="en-US" altLang="ja-JP" dirty="0">
+                <a:solidFill>
+                  <a:schemeClr val="accent2">
+                    <a:lumMod val="60000"/>
+                    <a:lumOff val="40000"/>
+                  </a:schemeClr>
+                </a:solidFill>
+              </a:rPr>
+              <a:t>W</a:t>
+            </a:r>
+            <a:r>
+              <a:rPr lang="en-US" altLang="ja-JP" dirty="0">
+                <a:solidFill>
+                  <a:schemeClr val="bg2">
+                    <a:lumMod val="50000"/>
+                  </a:schemeClr>
+                </a:solidFill>
+              </a:rPr>
+              <a:t>INC </a:t>
+            </a:r>
+            <a:r>
+              <a:rPr lang="en-US" altLang="ja-JP" dirty="0">
+                <a:solidFill>
+                  <a:schemeClr val="accent2">
+                    <a:lumMod val="60000"/>
+                    <a:lumOff val="40000"/>
+                  </a:schemeClr>
+                </a:solidFill>
+              </a:rPr>
+              <a:t>I</a:t>
+            </a:r>
+            <a:r>
+              <a:rPr lang="en-US" altLang="ja-JP" dirty="0">
+                <a:solidFill>
+                  <a:schemeClr val="bg2">
+                    <a:lumMod val="50000"/>
+                  </a:schemeClr>
+                </a:solidFill>
+              </a:rPr>
+              <a:t>s </a:t>
+            </a:r>
+            <a:r>
+              <a:rPr lang="en-US" altLang="ja-JP" dirty="0">
+                <a:solidFill>
+                  <a:schemeClr val="accent2">
+                    <a:lumMod val="60000"/>
+                    <a:lumOff val="40000"/>
+                  </a:schemeClr>
+                </a:solidFill>
+              </a:rPr>
+              <a:t>N</a:t>
+            </a:r>
+            <a:r>
+              <a:rPr lang="en-US" altLang="ja-JP" dirty="0">
+                <a:solidFill>
+                  <a:schemeClr val="bg2">
+                    <a:lumMod val="50000"/>
+                  </a:schemeClr>
+                </a:solidFill>
+              </a:rPr>
+              <a:t>ot a </a:t>
+            </a:r>
+            <a:r>
+              <a:rPr lang="en-US" altLang="ja-JP" dirty="0">
+                <a:solidFill>
+                  <a:schemeClr val="accent2">
+                    <a:lumMod val="60000"/>
+                    <a:lumOff val="40000"/>
+                  </a:schemeClr>
+                </a:solidFill>
+              </a:rPr>
+              <a:t>C</a:t>
+            </a:r>
+            <a:r>
+              <a:rPr lang="en-US" altLang="ja-JP" dirty="0">
+                <a:solidFill>
+                  <a:schemeClr val="bg2">
+                    <a:lumMod val="50000"/>
+                  </a:schemeClr>
+                </a:solidFill>
+              </a:rPr>
+              <a:t>ommunication</a:t>
+            </a:r>
+            <a:endParaRPr lang="ja-JP" altLang="en-US" dirty="0">
+              <a:solidFill>
+                <a:schemeClr val="bg2">
+                  <a:lumMod val="50000"/>
+                </a:schemeClr>
+              </a:solidFill>
+            </a:endParaRPr>
           </a:p>
         </p:txBody>
       </p:sp>
     </p:spTree>
     <p:extLst>
       <p:ext uri="{BB962C8B-B14F-4D97-AF65-F5344CB8AC3E}">
-        <p14:creationId xmlns:p14="http://schemas.microsoft.com/office/powerpoint/2010/main" val="341680367"/>
+        <p14:creationId xmlns:p14="http://schemas.microsoft.com/office/powerpoint/2010/main" val="1981711742"/>
       </p:ext>
     </p:extLst>
   </p:cSld>

--- a/Presentation/winkie（仮称）.pptx
+++ b/Presentation/winkie（仮称）.pptx
@@ -7,10 +7,11 @@
   <p:sldIdLst>
     <p:sldId id="256" r:id="rId2"/>
     <p:sldId id="257" r:id="rId3"/>
-    <p:sldId id="260" r:id="rId4"/>
-    <p:sldId id="259" r:id="rId5"/>
-    <p:sldId id="258" r:id="rId6"/>
-    <p:sldId id="264" r:id="rId7"/>
+    <p:sldId id="259" r:id="rId4"/>
+    <p:sldId id="258" r:id="rId5"/>
+    <p:sldId id="264" r:id="rId6"/>
+    <p:sldId id="260" r:id="rId7"/>
+    <p:sldId id="265" r:id="rId8"/>
   </p:sldIdLst>
   <p:sldSz cx="9144000" cy="6858000" type="screen4x3"/>
   <p:notesSz cx="6858000" cy="9144000"/>
@@ -634,7 +635,7 @@
             <a:fld id="{B61BEF0D-F0BB-DE4B-95CE-6DB70DBA9567}" type="datetimeFigureOut">
               <a:rPr lang="en-US" smtClean="0"/>
               <a:pPr/>
-              <a:t>12/24/15</a:t>
+              <a:t>12/25/15</a:t>
             </a:fld>
             <a:endParaRPr lang="en-US" dirty="0"/>
           </a:p>
@@ -736,7 +737,7 @@
           </a:ln>
           <a:extLst>
             <a:ext uri="{91240B29-F687-4f45-9708-019B960494DF}">
-              <a14:hiddenLine xmlns="" xmlns:a14="http://schemas.microsoft.com/office/drawing/2010/main" w="9525">
+              <a14:hiddenLine xmlns:a14="http://schemas.microsoft.com/office/drawing/2010/main" xmlns="" w="9525">
                 <a:solidFill>
                   <a:srgbClr val="000000"/>
                 </a:solidFill>
@@ -791,7 +792,7 @@
           </a:ln>
           <a:extLst>
             <a:ext uri="{91240B29-F687-4f45-9708-019B960494DF}">
-              <a14:hiddenLine xmlns="" xmlns:a14="http://schemas.microsoft.com/office/drawing/2010/main" w="9525">
+              <a14:hiddenLine xmlns:a14="http://schemas.microsoft.com/office/drawing/2010/main" xmlns="" w="9525">
                 <a:solidFill>
                   <a:srgbClr val="000000"/>
                 </a:solidFill>
@@ -1047,7 +1048,7 @@
             <a:fld id="{B61BEF0D-F0BB-DE4B-95CE-6DB70DBA9567}" type="datetimeFigureOut">
               <a:rPr lang="en-US" smtClean="0"/>
               <a:pPr/>
-              <a:t>12/24/15</a:t>
+              <a:t>12/25/15</a:t>
             </a:fld>
             <a:endParaRPr lang="en-US" dirty="0"/>
           </a:p>
@@ -1297,7 +1298,7 @@
             <a:fld id="{B61BEF0D-F0BB-DE4B-95CE-6DB70DBA9567}" type="datetimeFigureOut">
               <a:rPr lang="en-US" smtClean="0"/>
               <a:pPr/>
-              <a:t>12/24/15</a:t>
+              <a:t>12/25/15</a:t>
             </a:fld>
             <a:endParaRPr lang="en-US" dirty="0"/>
           </a:p>
@@ -1839,7 +1840,7 @@
             <a:fld id="{B61BEF0D-F0BB-DE4B-95CE-6DB70DBA9567}" type="datetimeFigureOut">
               <a:rPr lang="en-US" smtClean="0"/>
               <a:pPr/>
-              <a:t>12/24/15</a:t>
+              <a:t>12/25/15</a:t>
             </a:fld>
             <a:endParaRPr lang="en-US" dirty="0"/>
           </a:p>
@@ -2089,7 +2090,7 @@
             <a:fld id="{B61BEF0D-F0BB-DE4B-95CE-6DB70DBA9567}" type="datetimeFigureOut">
               <a:rPr lang="en-US" smtClean="0"/>
               <a:pPr/>
-              <a:t>12/24/15</a:t>
+              <a:t>12/25/15</a:t>
             </a:fld>
             <a:endParaRPr lang="en-US" dirty="0"/>
           </a:p>
@@ -2623,7 +2624,7 @@
             <a:fld id="{B61BEF0D-F0BB-DE4B-95CE-6DB70DBA9567}" type="datetimeFigureOut">
               <a:rPr lang="en-US" smtClean="0"/>
               <a:pPr/>
-              <a:t>12/24/15</a:t>
+              <a:t>12/25/15</a:t>
             </a:fld>
             <a:endParaRPr lang="en-US" dirty="0"/>
           </a:p>
@@ -2922,7 +2923,7 @@
             <a:fld id="{B61BEF0D-F0BB-DE4B-95CE-6DB70DBA9567}" type="datetimeFigureOut">
               <a:rPr lang="en-US" smtClean="0"/>
               <a:pPr/>
-              <a:t>12/24/15</a:t>
+              <a:t>12/25/15</a:t>
             </a:fld>
             <a:endParaRPr lang="en-US" dirty="0"/>
           </a:p>
@@ -3130,7 +3131,7 @@
             <a:fld id="{B61BEF0D-F0BB-DE4B-95CE-6DB70DBA9567}" type="datetimeFigureOut">
               <a:rPr lang="en-US" smtClean="0"/>
               <a:pPr/>
-              <a:t>12/24/15</a:t>
+              <a:t>12/25/15</a:t>
             </a:fld>
             <a:endParaRPr lang="en-US" dirty="0"/>
           </a:p>
@@ -3344,7 +3345,7 @@
             <a:fld id="{B61BEF0D-F0BB-DE4B-95CE-6DB70DBA9567}" type="datetimeFigureOut">
               <a:rPr lang="en-US" smtClean="0"/>
               <a:pPr/>
-              <a:t>12/24/15</a:t>
+              <a:t>12/25/15</a:t>
             </a:fld>
             <a:endParaRPr lang="en-US" dirty="0"/>
           </a:p>
@@ -3563,7 +3564,7 @@
             <a:fld id="{B61BEF0D-F0BB-DE4B-95CE-6DB70DBA9567}" type="datetimeFigureOut">
               <a:rPr lang="en-US" smtClean="0"/>
               <a:pPr/>
-              <a:t>12/24/15</a:t>
+              <a:t>12/25/15</a:t>
             </a:fld>
             <a:endParaRPr lang="en-US" dirty="0"/>
           </a:p>
@@ -3821,7 +3822,7 @@
             <a:fld id="{B61BEF0D-F0BB-DE4B-95CE-6DB70DBA9567}" type="datetimeFigureOut">
               <a:rPr lang="en-US" smtClean="0"/>
               <a:pPr/>
-              <a:t>12/24/15</a:t>
+              <a:t>12/25/15</a:t>
             </a:fld>
             <a:endParaRPr lang="en-US" dirty="0"/>
           </a:p>
@@ -4189,7 +4190,7 @@
             <a:fld id="{B61BEF0D-F0BB-DE4B-95CE-6DB70DBA9567}" type="datetimeFigureOut">
               <a:rPr lang="en-US" smtClean="0"/>
               <a:pPr/>
-              <a:t>12/24/15</a:t>
+              <a:t>12/25/15</a:t>
             </a:fld>
             <a:endParaRPr lang="en-US" dirty="0"/>
           </a:p>
@@ -4697,7 +4698,7 @@
             <a:fld id="{B61BEF0D-F0BB-DE4B-95CE-6DB70DBA9567}" type="datetimeFigureOut">
               <a:rPr lang="en-US" smtClean="0"/>
               <a:pPr/>
-              <a:t>12/24/15</a:t>
+              <a:t>12/25/15</a:t>
             </a:fld>
             <a:endParaRPr lang="en-US" dirty="0"/>
           </a:p>
@@ -4817,7 +4818,7 @@
             <a:fld id="{B61BEF0D-F0BB-DE4B-95CE-6DB70DBA9567}" type="datetimeFigureOut">
               <a:rPr lang="en-US" smtClean="0"/>
               <a:pPr/>
-              <a:t>12/24/15</a:t>
+              <a:t>12/25/15</a:t>
             </a:fld>
             <a:endParaRPr lang="en-US" dirty="0"/>
           </a:p>
@@ -4914,7 +4915,7 @@
             <a:fld id="{B61BEF0D-F0BB-DE4B-95CE-6DB70DBA9567}" type="datetimeFigureOut">
               <a:rPr lang="en-US" smtClean="0"/>
               <a:pPr/>
-              <a:t>12/24/15</a:t>
+              <a:t>12/25/15</a:t>
             </a:fld>
             <a:endParaRPr lang="en-US" dirty="0"/>
           </a:p>
@@ -5231,7 +5232,7 @@
             <a:fld id="{B61BEF0D-F0BB-DE4B-95CE-6DB70DBA9567}" type="datetimeFigureOut">
               <a:rPr lang="en-US" smtClean="0"/>
               <a:pPr/>
-              <a:t>12/24/15</a:t>
+              <a:t>12/25/15</a:t>
             </a:fld>
             <a:endParaRPr lang="en-US" dirty="0"/>
           </a:p>
@@ -5524,7 +5525,7 @@
             <a:fld id="{B61BEF0D-F0BB-DE4B-95CE-6DB70DBA9567}" type="datetimeFigureOut">
               <a:rPr lang="en-US" smtClean="0"/>
               <a:pPr/>
-              <a:t>12/24/15</a:t>
+              <a:t>12/25/15</a:t>
             </a:fld>
             <a:endParaRPr lang="en-US" dirty="0"/>
           </a:p>
@@ -6082,7 +6083,7 @@
             <a:fld id="{B61BEF0D-F0BB-DE4B-95CE-6DB70DBA9567}" type="datetimeFigureOut">
               <a:rPr lang="en-US" smtClean="0"/>
               <a:pPr/>
-              <a:t>12/24/15</a:t>
+              <a:t>12/25/15</a:t>
             </a:fld>
             <a:endParaRPr lang="en-US" dirty="0"/>
           </a:p>
@@ -6783,8 +6784,8 @@
         </p:nvSpPr>
         <p:spPr>
           <a:xfrm>
-            <a:off x="982133" y="2666999"/>
-            <a:ext cx="7704667" cy="3670005"/>
+            <a:off x="982133" y="2179675"/>
+            <a:ext cx="7704667" cy="4157330"/>
           </a:xfrm>
         </p:spPr>
         <p:txBody>
@@ -6795,39 +6796,48 @@
           <a:p>
             <a:r>
               <a:rPr kumimoji="1" lang="en-US" altLang="ja-JP" dirty="0" smtClean="0"/>
-              <a:t>Detect the wink</a:t>
-            </a:r>
-          </a:p>
-          <a:p>
+              <a:t>Detect </a:t>
+            </a:r>
+            <a:r>
+              <a:rPr lang="en-US" altLang="ja-JP" dirty="0"/>
+              <a:t>a</a:t>
+            </a:r>
+            <a:r>
+              <a:rPr kumimoji="1" lang="en-US" altLang="ja-JP" dirty="0" smtClean="0"/>
+              <a:t> wink</a:t>
+            </a:r>
             <a:endParaRPr kumimoji="1" lang="en-US" altLang="ja-JP" dirty="0" smtClean="0"/>
           </a:p>
           <a:p>
             <a:r>
               <a:rPr lang="en-US" altLang="ja-JP" dirty="0" smtClean="0"/>
-              <a:t>Exchange </a:t>
+              <a:t>Exchange info via </a:t>
             </a:r>
             <a:r>
               <a:rPr lang="en-US" altLang="ja-JP" dirty="0" smtClean="0"/>
-              <a:t>info </a:t>
-            </a:r>
+              <a:t>IR</a:t>
+            </a:r>
+            <a:endParaRPr lang="en-US" altLang="ja-JP" dirty="0"/>
+          </a:p>
+          <a:p>
             <a:r>
               <a:rPr lang="en-US" altLang="ja-JP" dirty="0" smtClean="0"/>
-              <a:t>via IR</a:t>
-            </a:r>
-          </a:p>
-          <a:p>
+              <a:t>Connected to the Internet via </a:t>
+            </a:r>
+            <a:r>
+              <a:rPr lang="en-US" altLang="ja-JP" dirty="0" err="1" smtClean="0"/>
+              <a:t>XBee</a:t>
+            </a:r>
             <a:endParaRPr lang="en-US" altLang="ja-JP" dirty="0" smtClean="0"/>
           </a:p>
           <a:p>
+            <a:endParaRPr lang="en-US" altLang="ja-JP" dirty="0" smtClean="0"/>
+          </a:p>
+          <a:p>
             <a:r>
               <a:rPr lang="en-US" altLang="ja-JP" dirty="0" smtClean="0"/>
-              <a:t>Just put it on your glasses and </a:t>
-            </a:r>
-            <a:r>
-              <a:rPr lang="en-US" altLang="ja-JP" dirty="0" smtClean="0"/>
-              <a:t>WINC!</a:t>
-            </a:r>
-            <a:endParaRPr lang="en-US" altLang="ja-JP" dirty="0" smtClean="0"/>
+              <a:t>Just put it on your glasses and WINC!</a:t>
+            </a:r>
           </a:p>
           <a:p>
             <a:pPr lvl="1"/>
@@ -6841,15 +6851,7 @@
             </a:r>
             <a:r>
               <a:rPr lang="en-US" altLang="ja-JP" dirty="0" smtClean="0"/>
-              <a:t> BDM is for </a:t>
-            </a:r>
-            <a:r>
-              <a:rPr lang="en-US" altLang="ja-JP" dirty="0" smtClean="0"/>
-              <a:t>glasses-wearing </a:t>
-            </a:r>
-            <a:r>
-              <a:rPr lang="en-US" altLang="ja-JP" dirty="0" smtClean="0"/>
-              <a:t>Otaku only.)</a:t>
+              <a:t> BDM is for glasses-wearing Otaku only.)</a:t>
             </a:r>
             <a:endParaRPr kumimoji="1" lang="ja-JP" altLang="en-US" dirty="0"/>
           </a:p>
@@ -7030,9 +7032,774 @@
             <p:ph type="title"/>
           </p:nvPr>
         </p:nvSpPr>
+        <p:spPr/>
+        <p:txBody>
+          <a:bodyPr/>
+          <a:lstStyle/>
+          <a:p>
+            <a:r>
+              <a:rPr lang="en-US" altLang="ja-JP" dirty="0" smtClean="0"/>
+              <a:t>Applications – Clicker Mode</a:t>
+            </a:r>
+            <a:endParaRPr kumimoji="1" lang="ja-JP" altLang="en-US" dirty="0"/>
+          </a:p>
+        </p:txBody>
+      </p:sp>
+      <p:sp>
+        <p:nvSpPr>
+          <p:cNvPr id="3" name="コンテンツ プレースホルダー 2"/>
+          <p:cNvSpPr>
+            <a:spLocks noGrp="1"/>
+          </p:cNvSpPr>
+          <p:nvPr>
+            <p:ph idx="1"/>
+          </p:nvPr>
+        </p:nvSpPr>
+        <p:spPr/>
+        <p:txBody>
+          <a:bodyPr/>
+          <a:lstStyle/>
+          <a:p>
+            <a:r>
+              <a:rPr kumimoji="1" lang="en-US" altLang="ja-JP" dirty="0" smtClean="0"/>
+              <a:t>Mouse-clicker mode</a:t>
+            </a:r>
+          </a:p>
+          <a:p>
+            <a:pPr lvl="1"/>
+            <a:r>
+              <a:rPr kumimoji="1" lang="en-US" altLang="ja-JP" dirty="0" smtClean="0"/>
+              <a:t>Use as a mouse button</a:t>
+            </a:r>
+          </a:p>
+          <a:p>
+            <a:pPr lvl="1"/>
+            <a:r>
+              <a:rPr kumimoji="1" lang="en-US" altLang="ja-JP" dirty="0" smtClean="0"/>
+              <a:t>Play Cookie Clicker without using your hands</a:t>
+            </a:r>
+          </a:p>
+          <a:p>
+            <a:pPr lvl="1"/>
+            <a:r>
+              <a:rPr lang="en-US" altLang="ja-JP" dirty="0" smtClean="0"/>
+              <a:t>No worries about breaking your mouse</a:t>
+            </a:r>
+          </a:p>
+        </p:txBody>
+      </p:sp>
+      <p:sp>
+        <p:nvSpPr>
+          <p:cNvPr id="6" name="正方形/長方形 5"/>
+          <p:cNvSpPr/>
+          <p:nvPr/>
+        </p:nvSpPr>
         <p:spPr>
           <a:xfrm>
-            <a:off x="504062" y="-106157"/>
+            <a:off x="6071191" y="19737"/>
+            <a:ext cx="3072809" cy="646331"/>
+          </a:xfrm>
+          <a:prstGeom prst="rect">
+            <a:avLst/>
+          </a:prstGeom>
+        </p:spPr>
+        <p:txBody>
+          <a:bodyPr wrap="square">
+            <a:spAutoFit/>
+          </a:bodyPr>
+          <a:lstStyle/>
+          <a:p>
+            <a:pPr algn="r"/>
+            <a:r>
+              <a:rPr lang="en-US" altLang="ja-JP" dirty="0">
+                <a:solidFill>
+                  <a:schemeClr val="bg2">
+                    <a:lumMod val="50000"/>
+                  </a:schemeClr>
+                </a:solidFill>
+              </a:rPr>
+              <a:t>WINC</a:t>
+            </a:r>
+            <a:br>
+              <a:rPr lang="en-US" altLang="ja-JP" dirty="0">
+                <a:solidFill>
+                  <a:schemeClr val="bg2">
+                    <a:lumMod val="50000"/>
+                  </a:schemeClr>
+                </a:solidFill>
+              </a:rPr>
+            </a:br>
+            <a:r>
+              <a:rPr lang="en-US" altLang="ja-JP" dirty="0">
+                <a:solidFill>
+                  <a:schemeClr val="accent2">
+                    <a:lumMod val="60000"/>
+                    <a:lumOff val="40000"/>
+                  </a:schemeClr>
+                </a:solidFill>
+              </a:rPr>
+              <a:t>W</a:t>
+            </a:r>
+            <a:r>
+              <a:rPr lang="en-US" altLang="ja-JP" dirty="0">
+                <a:solidFill>
+                  <a:schemeClr val="bg2">
+                    <a:lumMod val="50000"/>
+                  </a:schemeClr>
+                </a:solidFill>
+              </a:rPr>
+              <a:t>INC </a:t>
+            </a:r>
+            <a:r>
+              <a:rPr lang="en-US" altLang="ja-JP" dirty="0">
+                <a:solidFill>
+                  <a:schemeClr val="accent2">
+                    <a:lumMod val="60000"/>
+                    <a:lumOff val="40000"/>
+                  </a:schemeClr>
+                </a:solidFill>
+              </a:rPr>
+              <a:t>I</a:t>
+            </a:r>
+            <a:r>
+              <a:rPr lang="en-US" altLang="ja-JP" dirty="0">
+                <a:solidFill>
+                  <a:schemeClr val="bg2">
+                    <a:lumMod val="50000"/>
+                  </a:schemeClr>
+                </a:solidFill>
+              </a:rPr>
+              <a:t>s </a:t>
+            </a:r>
+            <a:r>
+              <a:rPr lang="en-US" altLang="ja-JP" dirty="0">
+                <a:solidFill>
+                  <a:schemeClr val="accent2">
+                    <a:lumMod val="60000"/>
+                    <a:lumOff val="40000"/>
+                  </a:schemeClr>
+                </a:solidFill>
+              </a:rPr>
+              <a:t>N</a:t>
+            </a:r>
+            <a:r>
+              <a:rPr lang="en-US" altLang="ja-JP" dirty="0">
+                <a:solidFill>
+                  <a:schemeClr val="bg2">
+                    <a:lumMod val="50000"/>
+                  </a:schemeClr>
+                </a:solidFill>
+              </a:rPr>
+              <a:t>ot a </a:t>
+            </a:r>
+            <a:r>
+              <a:rPr lang="en-US" altLang="ja-JP" dirty="0">
+                <a:solidFill>
+                  <a:schemeClr val="accent2">
+                    <a:lumMod val="60000"/>
+                    <a:lumOff val="40000"/>
+                  </a:schemeClr>
+                </a:solidFill>
+              </a:rPr>
+              <a:t>C</a:t>
+            </a:r>
+            <a:r>
+              <a:rPr lang="en-US" altLang="ja-JP" dirty="0">
+                <a:solidFill>
+                  <a:schemeClr val="bg2">
+                    <a:lumMod val="50000"/>
+                  </a:schemeClr>
+                </a:solidFill>
+              </a:rPr>
+              <a:t>ommunication</a:t>
+            </a:r>
+            <a:endParaRPr lang="ja-JP" altLang="en-US" dirty="0">
+              <a:solidFill>
+                <a:schemeClr val="bg2">
+                  <a:lumMod val="50000"/>
+                </a:schemeClr>
+              </a:solidFill>
+            </a:endParaRPr>
+          </a:p>
+        </p:txBody>
+      </p:sp>
+    </p:spTree>
+    <p:extLst>
+      <p:ext uri="{BB962C8B-B14F-4D97-AF65-F5344CB8AC3E}">
+        <p14:creationId xmlns:p14="http://schemas.microsoft.com/office/powerpoint/2010/main" val="321185382"/>
+      </p:ext>
+    </p:extLst>
+  </p:cSld>
+  <p:clrMapOvr>
+    <a:masterClrMapping/>
+  </p:clrMapOvr>
+</p:sld>
+</file>
+
+<file path=ppt/slides/slide4.xml><?xml version="1.0" encoding="utf-8"?>
+<p:sld xmlns:a="http://schemas.openxmlformats.org/drawingml/2006/main" xmlns:r="http://schemas.openxmlformats.org/officeDocument/2006/relationships" xmlns:p="http://schemas.openxmlformats.org/presentationml/2006/main">
+  <p:cSld>
+    <p:spTree>
+      <p:nvGrpSpPr>
+        <p:cNvPr id="1" name=""/>
+        <p:cNvGrpSpPr/>
+        <p:nvPr/>
+      </p:nvGrpSpPr>
+      <p:grpSpPr>
+        <a:xfrm>
+          <a:off x="0" y="0"/>
+          <a:ext cx="0" cy="0"/>
+          <a:chOff x="0" y="0"/>
+          <a:chExt cx="0" cy="0"/>
+        </a:xfrm>
+      </p:grpSpPr>
+      <p:sp>
+        <p:nvSpPr>
+          <p:cNvPr id="2" name="タイトル 1"/>
+          <p:cNvSpPr>
+            <a:spLocks noGrp="1"/>
+          </p:cNvSpPr>
+          <p:nvPr>
+            <p:ph type="title"/>
+          </p:nvPr>
+        </p:nvSpPr>
+        <p:spPr/>
+        <p:txBody>
+          <a:bodyPr/>
+          <a:lstStyle/>
+          <a:p>
+            <a:r>
+              <a:rPr lang="en-US" altLang="ja-JP" dirty="0"/>
+              <a:t>Applications – </a:t>
+            </a:r>
+            <a:r>
+              <a:rPr lang="en-US" altLang="ja-JP" dirty="0" smtClean="0"/>
+              <a:t>Easy </a:t>
+            </a:r>
+            <a:r>
+              <a:rPr lang="en-US" altLang="ja-JP" dirty="0" err="1" smtClean="0"/>
+              <a:t>IoT</a:t>
+            </a:r>
+            <a:endParaRPr kumimoji="1" lang="ja-JP" altLang="en-US" dirty="0"/>
+          </a:p>
+        </p:txBody>
+      </p:sp>
+      <p:sp>
+        <p:nvSpPr>
+          <p:cNvPr id="3" name="コンテンツ プレースホルダー 2"/>
+          <p:cNvSpPr>
+            <a:spLocks noGrp="1"/>
+          </p:cNvSpPr>
+          <p:nvPr>
+            <p:ph idx="1"/>
+          </p:nvPr>
+        </p:nvSpPr>
+        <p:spPr>
+          <a:xfrm>
+            <a:off x="982133" y="2666999"/>
+            <a:ext cx="7704667" cy="4020879"/>
+          </a:xfrm>
+        </p:spPr>
+        <p:txBody>
+          <a:bodyPr>
+            <a:normAutofit/>
+          </a:bodyPr>
+          <a:lstStyle/>
+          <a:p>
+            <a:r>
+              <a:rPr lang="en-US" altLang="ja-JP" dirty="0"/>
+              <a:t>Question the way of </a:t>
+            </a:r>
+            <a:r>
+              <a:rPr lang="en-US" altLang="ja-JP" dirty="0" err="1"/>
+              <a:t>IoT</a:t>
+            </a:r>
+            <a:endParaRPr lang="en-US" altLang="ja-JP" dirty="0"/>
+          </a:p>
+          <a:p>
+            <a:pPr lvl="1"/>
+            <a:r>
+              <a:rPr lang="en-US" altLang="ja-JP" dirty="0"/>
+              <a:t>Does everything really need an Internet access</a:t>
+            </a:r>
+            <a:r>
+              <a:rPr lang="en-US" altLang="ja-JP" dirty="0" smtClean="0"/>
+              <a:t>?</a:t>
+            </a:r>
+          </a:p>
+          <a:p>
+            <a:endParaRPr lang="en-US" altLang="ja-JP" dirty="0" smtClean="0"/>
+          </a:p>
+          <a:p>
+            <a:r>
+              <a:rPr lang="en-US" altLang="ja-JP" dirty="0" smtClean="0"/>
+              <a:t>Weather Forecast Displayer</a:t>
+            </a:r>
+            <a:endParaRPr lang="en-US" altLang="ja-JP" dirty="0"/>
+          </a:p>
+          <a:p>
+            <a:pPr lvl="1"/>
+            <a:r>
+              <a:rPr lang="en-US" altLang="ja-JP" dirty="0" smtClean="0"/>
+              <a:t>IR </a:t>
+            </a:r>
+            <a:r>
+              <a:rPr lang="en-US" altLang="ja-JP" dirty="0"/>
+              <a:t>transmitter on </a:t>
+            </a:r>
+            <a:r>
+              <a:rPr lang="en-US" altLang="ja-JP" dirty="0" smtClean="0"/>
+              <a:t>glasses</a:t>
+            </a:r>
+          </a:p>
+          <a:p>
+            <a:pPr lvl="2"/>
+            <a:r>
+              <a:rPr lang="en-US" altLang="ja-JP" dirty="0" smtClean="0"/>
+              <a:t>Device only needs IR receiver</a:t>
+            </a:r>
+          </a:p>
+          <a:p>
+            <a:pPr lvl="2"/>
+            <a:r>
+              <a:rPr lang="en-US" altLang="ja-JP" dirty="0" smtClean="0"/>
+              <a:t>Cheap</a:t>
+            </a:r>
+            <a:endParaRPr lang="en-US" altLang="ja-JP" dirty="0"/>
+          </a:p>
+          <a:p>
+            <a:pPr lvl="2"/>
+            <a:r>
+              <a:rPr lang="en-US" altLang="ja-JP" dirty="0"/>
+              <a:t>Simple &amp; easily personalized</a:t>
+            </a:r>
+          </a:p>
+          <a:p>
+            <a:endParaRPr kumimoji="1" lang="ja-JP" altLang="en-US" dirty="0"/>
+          </a:p>
+        </p:txBody>
+      </p:sp>
+      <p:sp>
+        <p:nvSpPr>
+          <p:cNvPr id="4" name="正方形/長方形 3"/>
+          <p:cNvSpPr/>
+          <p:nvPr/>
+        </p:nvSpPr>
+        <p:spPr>
+          <a:xfrm>
+            <a:off x="6071191" y="19737"/>
+            <a:ext cx="3072809" cy="646331"/>
+          </a:xfrm>
+          <a:prstGeom prst="rect">
+            <a:avLst/>
+          </a:prstGeom>
+        </p:spPr>
+        <p:txBody>
+          <a:bodyPr wrap="square">
+            <a:spAutoFit/>
+          </a:bodyPr>
+          <a:lstStyle/>
+          <a:p>
+            <a:pPr algn="r"/>
+            <a:r>
+              <a:rPr lang="en-US" altLang="ja-JP" dirty="0">
+                <a:solidFill>
+                  <a:schemeClr val="bg2">
+                    <a:lumMod val="50000"/>
+                  </a:schemeClr>
+                </a:solidFill>
+              </a:rPr>
+              <a:t>WINC</a:t>
+            </a:r>
+            <a:br>
+              <a:rPr lang="en-US" altLang="ja-JP" dirty="0">
+                <a:solidFill>
+                  <a:schemeClr val="bg2">
+                    <a:lumMod val="50000"/>
+                  </a:schemeClr>
+                </a:solidFill>
+              </a:rPr>
+            </a:br>
+            <a:r>
+              <a:rPr lang="en-US" altLang="ja-JP" dirty="0">
+                <a:solidFill>
+                  <a:schemeClr val="accent2">
+                    <a:lumMod val="60000"/>
+                    <a:lumOff val="40000"/>
+                  </a:schemeClr>
+                </a:solidFill>
+              </a:rPr>
+              <a:t>W</a:t>
+            </a:r>
+            <a:r>
+              <a:rPr lang="en-US" altLang="ja-JP" dirty="0">
+                <a:solidFill>
+                  <a:schemeClr val="bg2">
+                    <a:lumMod val="50000"/>
+                  </a:schemeClr>
+                </a:solidFill>
+              </a:rPr>
+              <a:t>INC </a:t>
+            </a:r>
+            <a:r>
+              <a:rPr lang="en-US" altLang="ja-JP" dirty="0">
+                <a:solidFill>
+                  <a:schemeClr val="accent2">
+                    <a:lumMod val="60000"/>
+                    <a:lumOff val="40000"/>
+                  </a:schemeClr>
+                </a:solidFill>
+              </a:rPr>
+              <a:t>I</a:t>
+            </a:r>
+            <a:r>
+              <a:rPr lang="en-US" altLang="ja-JP" dirty="0">
+                <a:solidFill>
+                  <a:schemeClr val="bg2">
+                    <a:lumMod val="50000"/>
+                  </a:schemeClr>
+                </a:solidFill>
+              </a:rPr>
+              <a:t>s </a:t>
+            </a:r>
+            <a:r>
+              <a:rPr lang="en-US" altLang="ja-JP" dirty="0">
+                <a:solidFill>
+                  <a:schemeClr val="accent2">
+                    <a:lumMod val="60000"/>
+                    <a:lumOff val="40000"/>
+                  </a:schemeClr>
+                </a:solidFill>
+              </a:rPr>
+              <a:t>N</a:t>
+            </a:r>
+            <a:r>
+              <a:rPr lang="en-US" altLang="ja-JP" dirty="0">
+                <a:solidFill>
+                  <a:schemeClr val="bg2">
+                    <a:lumMod val="50000"/>
+                  </a:schemeClr>
+                </a:solidFill>
+              </a:rPr>
+              <a:t>ot a </a:t>
+            </a:r>
+            <a:r>
+              <a:rPr lang="en-US" altLang="ja-JP" dirty="0">
+                <a:solidFill>
+                  <a:schemeClr val="accent2">
+                    <a:lumMod val="60000"/>
+                    <a:lumOff val="40000"/>
+                  </a:schemeClr>
+                </a:solidFill>
+              </a:rPr>
+              <a:t>C</a:t>
+            </a:r>
+            <a:r>
+              <a:rPr lang="en-US" altLang="ja-JP" dirty="0">
+                <a:solidFill>
+                  <a:schemeClr val="bg2">
+                    <a:lumMod val="50000"/>
+                  </a:schemeClr>
+                </a:solidFill>
+              </a:rPr>
+              <a:t>ommunication</a:t>
+            </a:r>
+            <a:endParaRPr lang="ja-JP" altLang="en-US" dirty="0">
+              <a:solidFill>
+                <a:schemeClr val="bg2">
+                  <a:lumMod val="50000"/>
+                </a:schemeClr>
+              </a:solidFill>
+            </a:endParaRPr>
+          </a:p>
+        </p:txBody>
+      </p:sp>
+    </p:spTree>
+    <p:extLst>
+      <p:ext uri="{BB962C8B-B14F-4D97-AF65-F5344CB8AC3E}">
+        <p14:creationId xmlns:p14="http://schemas.microsoft.com/office/powerpoint/2010/main" val="316515329"/>
+      </p:ext>
+    </p:extLst>
+  </p:cSld>
+  <p:clrMapOvr>
+    <a:masterClrMapping/>
+  </p:clrMapOvr>
+</p:sld>
+</file>
+
+<file path=ppt/slides/slide5.xml><?xml version="1.0" encoding="utf-8"?>
+<p:sld xmlns:a="http://schemas.openxmlformats.org/drawingml/2006/main" xmlns:r="http://schemas.openxmlformats.org/officeDocument/2006/relationships" xmlns:p="http://schemas.openxmlformats.org/presentationml/2006/main">
+  <p:cSld>
+    <p:spTree>
+      <p:nvGrpSpPr>
+        <p:cNvPr id="1" name=""/>
+        <p:cNvGrpSpPr/>
+        <p:nvPr/>
+      </p:nvGrpSpPr>
+      <p:grpSpPr>
+        <a:xfrm>
+          <a:off x="0" y="0"/>
+          <a:ext cx="0" cy="0"/>
+          <a:chOff x="0" y="0"/>
+          <a:chExt cx="0" cy="0"/>
+        </a:xfrm>
+      </p:grpSpPr>
+      <p:sp>
+        <p:nvSpPr>
+          <p:cNvPr id="2" name="タイトル 1"/>
+          <p:cNvSpPr>
+            <a:spLocks noGrp="1"/>
+          </p:cNvSpPr>
+          <p:nvPr>
+            <p:ph type="title"/>
+          </p:nvPr>
+        </p:nvSpPr>
+        <p:spPr/>
+        <p:txBody>
+          <a:bodyPr/>
+          <a:lstStyle/>
+          <a:p>
+            <a:r>
+              <a:rPr lang="en-US" altLang="ja-JP" dirty="0"/>
+              <a:t>Applications – </a:t>
+            </a:r>
+            <a:r>
+              <a:rPr lang="en-US" altLang="ja-JP" dirty="0" smtClean="0"/>
+              <a:t>Contact Exchange</a:t>
+            </a:r>
+            <a:endParaRPr kumimoji="1" lang="ja-JP" altLang="en-US" dirty="0"/>
+          </a:p>
+        </p:txBody>
+      </p:sp>
+      <p:sp>
+        <p:nvSpPr>
+          <p:cNvPr id="3" name="コンテンツ プレースホルダー 2"/>
+          <p:cNvSpPr>
+            <a:spLocks noGrp="1"/>
+          </p:cNvSpPr>
+          <p:nvPr>
+            <p:ph idx="1"/>
+          </p:nvPr>
+        </p:nvSpPr>
+        <p:spPr>
+          <a:xfrm>
+            <a:off x="982133" y="2666999"/>
+            <a:ext cx="7704667" cy="4020879"/>
+          </a:xfrm>
+        </p:spPr>
+        <p:txBody>
+          <a:bodyPr>
+            <a:normAutofit/>
+          </a:bodyPr>
+          <a:lstStyle/>
+          <a:p>
+            <a:r>
+              <a:rPr lang="en-US" altLang="ja-JP" dirty="0" smtClean="0"/>
+              <a:t>Exchange contact info between devices</a:t>
+            </a:r>
+          </a:p>
+          <a:p>
+            <a:pPr lvl="1"/>
+            <a:r>
+              <a:rPr lang="en-US" altLang="ja-JP" dirty="0" smtClean="0"/>
+              <a:t>Trigger &amp; facilitate </a:t>
+            </a:r>
+            <a:r>
+              <a:rPr lang="en-US" altLang="ja-JP" dirty="0" smtClean="0"/>
+              <a:t>communication</a:t>
+            </a:r>
+          </a:p>
+          <a:p>
+            <a:r>
+              <a:rPr kumimoji="1" lang="en-US" altLang="ja-JP" dirty="0" err="1" smtClean="0"/>
+              <a:t>WinC</a:t>
+            </a:r>
+            <a:r>
+              <a:rPr kumimoji="1" lang="en-US" altLang="ja-JP" dirty="0" smtClean="0"/>
+              <a:t> as a new type of communication</a:t>
+            </a:r>
+            <a:endParaRPr kumimoji="1" lang="ja-JP" altLang="en-US" dirty="0"/>
+          </a:p>
+        </p:txBody>
+      </p:sp>
+      <p:sp>
+        <p:nvSpPr>
+          <p:cNvPr id="4" name="正方形/長方形 3"/>
+          <p:cNvSpPr/>
+          <p:nvPr/>
+        </p:nvSpPr>
+        <p:spPr>
+          <a:xfrm>
+            <a:off x="6071191" y="19737"/>
+            <a:ext cx="3072809" cy="646331"/>
+          </a:xfrm>
+          <a:prstGeom prst="rect">
+            <a:avLst/>
+          </a:prstGeom>
+        </p:spPr>
+        <p:txBody>
+          <a:bodyPr wrap="square">
+            <a:spAutoFit/>
+          </a:bodyPr>
+          <a:lstStyle/>
+          <a:p>
+            <a:pPr algn="r"/>
+            <a:r>
+              <a:rPr lang="en-US" altLang="ja-JP" dirty="0">
+                <a:solidFill>
+                  <a:schemeClr val="bg2">
+                    <a:lumMod val="50000"/>
+                  </a:schemeClr>
+                </a:solidFill>
+              </a:rPr>
+              <a:t>WINC</a:t>
+            </a:r>
+            <a:br>
+              <a:rPr lang="en-US" altLang="ja-JP" dirty="0">
+                <a:solidFill>
+                  <a:schemeClr val="bg2">
+                    <a:lumMod val="50000"/>
+                  </a:schemeClr>
+                </a:solidFill>
+              </a:rPr>
+            </a:br>
+            <a:r>
+              <a:rPr lang="en-US" altLang="ja-JP" dirty="0">
+                <a:solidFill>
+                  <a:schemeClr val="accent2">
+                    <a:lumMod val="60000"/>
+                    <a:lumOff val="40000"/>
+                  </a:schemeClr>
+                </a:solidFill>
+              </a:rPr>
+              <a:t>W</a:t>
+            </a:r>
+            <a:r>
+              <a:rPr lang="en-US" altLang="ja-JP" dirty="0">
+                <a:solidFill>
+                  <a:schemeClr val="bg2">
+                    <a:lumMod val="50000"/>
+                  </a:schemeClr>
+                </a:solidFill>
+              </a:rPr>
+              <a:t>INC </a:t>
+            </a:r>
+            <a:r>
+              <a:rPr lang="en-US" altLang="ja-JP" dirty="0">
+                <a:solidFill>
+                  <a:schemeClr val="accent2">
+                    <a:lumMod val="60000"/>
+                    <a:lumOff val="40000"/>
+                  </a:schemeClr>
+                </a:solidFill>
+              </a:rPr>
+              <a:t>I</a:t>
+            </a:r>
+            <a:r>
+              <a:rPr lang="en-US" altLang="ja-JP" dirty="0">
+                <a:solidFill>
+                  <a:schemeClr val="bg2">
+                    <a:lumMod val="50000"/>
+                  </a:schemeClr>
+                </a:solidFill>
+              </a:rPr>
+              <a:t>s </a:t>
+            </a:r>
+            <a:r>
+              <a:rPr lang="en-US" altLang="ja-JP" dirty="0">
+                <a:solidFill>
+                  <a:schemeClr val="accent2">
+                    <a:lumMod val="60000"/>
+                    <a:lumOff val="40000"/>
+                  </a:schemeClr>
+                </a:solidFill>
+              </a:rPr>
+              <a:t>N</a:t>
+            </a:r>
+            <a:r>
+              <a:rPr lang="en-US" altLang="ja-JP" dirty="0">
+                <a:solidFill>
+                  <a:schemeClr val="bg2">
+                    <a:lumMod val="50000"/>
+                  </a:schemeClr>
+                </a:solidFill>
+              </a:rPr>
+              <a:t>ot a </a:t>
+            </a:r>
+            <a:r>
+              <a:rPr lang="en-US" altLang="ja-JP" dirty="0">
+                <a:solidFill>
+                  <a:schemeClr val="accent2">
+                    <a:lumMod val="60000"/>
+                    <a:lumOff val="40000"/>
+                  </a:schemeClr>
+                </a:solidFill>
+              </a:rPr>
+              <a:t>C</a:t>
+            </a:r>
+            <a:r>
+              <a:rPr lang="en-US" altLang="ja-JP" dirty="0">
+                <a:solidFill>
+                  <a:schemeClr val="bg2">
+                    <a:lumMod val="50000"/>
+                  </a:schemeClr>
+                </a:solidFill>
+              </a:rPr>
+              <a:t>ommunication</a:t>
+            </a:r>
+            <a:endParaRPr lang="ja-JP" altLang="en-US" dirty="0">
+              <a:solidFill>
+                <a:schemeClr val="bg2">
+                  <a:lumMod val="50000"/>
+                </a:schemeClr>
+              </a:solidFill>
+            </a:endParaRPr>
+          </a:p>
+        </p:txBody>
+      </p:sp>
+    </p:spTree>
+    <p:extLst>
+      <p:ext uri="{BB962C8B-B14F-4D97-AF65-F5344CB8AC3E}">
+        <p14:creationId xmlns:p14="http://schemas.microsoft.com/office/powerpoint/2010/main" val="1981711742"/>
+      </p:ext>
+    </p:extLst>
+  </p:cSld>
+  <p:clrMapOvr>
+    <a:masterClrMapping/>
+  </p:clrMapOvr>
+</p:sld>
+</file>
+
+<file path=ppt/slides/slide6.xml><?xml version="1.0" encoding="utf-8"?>
+<p:sld xmlns:a="http://schemas.openxmlformats.org/drawingml/2006/main" xmlns:r="http://schemas.openxmlformats.org/officeDocument/2006/relationships" xmlns:p="http://schemas.openxmlformats.org/presentationml/2006/main">
+  <p:cSld>
+    <p:spTree>
+      <p:nvGrpSpPr>
+        <p:cNvPr id="1" name=""/>
+        <p:cNvGrpSpPr/>
+        <p:nvPr/>
+      </p:nvGrpSpPr>
+      <p:grpSpPr>
+        <a:xfrm>
+          <a:off x="0" y="0"/>
+          <a:ext cx="0" cy="0"/>
+          <a:chOff x="0" y="0"/>
+          <a:chExt cx="0" cy="0"/>
+        </a:xfrm>
+      </p:grpSpPr>
+      <p:sp>
+        <p:nvSpPr>
+          <p:cNvPr id="2" name="タイトル 1"/>
+          <p:cNvSpPr>
+            <a:spLocks noGrp="1"/>
+          </p:cNvSpPr>
+          <p:nvPr>
+            <p:ph type="title"/>
+          </p:nvPr>
+        </p:nvSpPr>
+        <p:spPr>
+          <a:xfrm>
+            <a:off x="504062" y="63966"/>
             <a:ext cx="7704667" cy="1981200"/>
           </a:xfrm>
         </p:spPr>
@@ -7046,9 +7813,24 @@
             </a:r>
             <a:r>
               <a:rPr kumimoji="1" lang="en-US" altLang="ja-JP" dirty="0" smtClean="0"/>
-              <a:t> &amp; Flow</a:t>
-            </a:r>
-            <a:endParaRPr kumimoji="1" lang="ja-JP" altLang="en-US" dirty="0"/>
+              <a:t> &amp; </a:t>
+            </a:r>
+            <a:r>
+              <a:rPr kumimoji="1" lang="en-US" altLang="ja-JP" dirty="0" smtClean="0"/>
+              <a:t>Flow</a:t>
+            </a:r>
+            <a:br>
+              <a:rPr kumimoji="1" lang="en-US" altLang="ja-JP" dirty="0" smtClean="0"/>
+            </a:br>
+            <a:r>
+              <a:rPr kumimoji="1" lang="en-US" altLang="ja-JP" sz="2000" dirty="0" smtClean="0"/>
+              <a:t>(Example in </a:t>
+            </a:r>
+            <a:r>
+              <a:rPr lang="en-US" altLang="ja-JP" sz="2000" dirty="0" smtClean="0"/>
+              <a:t>Contact Exchange)</a:t>
+            </a:r>
+            <a:endParaRPr kumimoji="1" lang="ja-JP" altLang="en-US" sz="2000" dirty="0"/>
           </a:p>
         </p:txBody>
       </p:sp>
@@ -7311,7 +8093,7 @@
             <a:pPr algn="ctr"/>
             <a:r>
               <a:rPr kumimoji="1" lang="en-US" altLang="ja-JP" sz="2400" dirty="0" err="1" smtClean="0"/>
-              <a:t>Xbee</a:t>
+              <a:t>XBee</a:t>
             </a:r>
             <a:endParaRPr kumimoji="1" lang="ja-JP" altLang="en-US" sz="2400" dirty="0"/>
           </a:p>
@@ -7637,15 +8419,11 @@
           <a:p>
             <a:r>
               <a:rPr kumimoji="1" lang="en-US" altLang="ja-JP" dirty="0" smtClean="0"/>
-              <a:t>Send </a:t>
+              <a:t>Send Signal on </a:t>
             </a:r>
             <a:r>
               <a:rPr kumimoji="1" lang="en-US" altLang="ja-JP" dirty="0" smtClean="0"/>
-              <a:t>Signal </a:t>
-            </a:r>
-            <a:r>
-              <a:rPr kumimoji="1" lang="en-US" altLang="ja-JP" dirty="0" smtClean="0"/>
-              <a:t>on Wink</a:t>
+              <a:t>Wink</a:t>
             </a:r>
             <a:endParaRPr kumimoji="1" lang="ja-JP" altLang="en-US" dirty="0"/>
           </a:p>
@@ -7792,17 +8570,7 @@
                   </a:schemeClr>
                 </a:solidFill>
               </a:rPr>
-              <a:t>Receive &amp; </a:t>
-            </a:r>
-            <a:r>
-              <a:rPr kumimoji="1" lang="en-US" altLang="ja-JP" dirty="0" smtClean="0">
-                <a:solidFill>
-                  <a:schemeClr val="accent1">
-                    <a:lumMod val="50000"/>
-                  </a:schemeClr>
-                </a:solidFill>
-              </a:rPr>
-              <a:t>Process Data</a:t>
+              <a:t>Receive &amp; Process Data</a:t>
             </a:r>
             <a:endParaRPr kumimoji="1" lang="ja-JP" altLang="en-US" dirty="0">
               <a:solidFill>
@@ -8000,7 +8768,7 @@
 </p:sld>
 </file>
 
-<file path=ppt/slides/slide4.xml><?xml version="1.0" encoding="utf-8"?>
+<file path=ppt/slides/slide7.xml><?xml version="1.0" encoding="utf-8"?>
 <p:sld xmlns:a="http://schemas.openxmlformats.org/drawingml/2006/main" xmlns:r="http://schemas.openxmlformats.org/officeDocument/2006/relationships" xmlns:p="http://schemas.openxmlformats.org/presentationml/2006/main">
   <p:cSld>
     <p:spTree>
@@ -8019,729 +8787,168 @@
       </p:grpSpPr>
       <p:sp>
         <p:nvSpPr>
-          <p:cNvPr id="2" name="タイトル 1"/>
+          <p:cNvPr id="4" name="タイトル 3"/>
           <p:cNvSpPr>
             <a:spLocks noGrp="1"/>
           </p:cNvSpPr>
           <p:nvPr>
             <p:ph type="title"/>
           </p:nvPr>
-        </p:nvSpPr>
-        <p:spPr/>
-        <p:txBody>
-          <a:bodyPr/>
-          <a:lstStyle/>
-          <a:p>
-            <a:r>
-              <a:rPr lang="en-US" altLang="ja-JP" dirty="0" smtClean="0"/>
-              <a:t>Applications – Clicker Mode</a:t>
-            </a:r>
-            <a:endParaRPr kumimoji="1" lang="ja-JP" altLang="en-US" dirty="0"/>
-          </a:p>
-        </p:txBody>
-      </p:sp>
-      <p:sp>
-        <p:nvSpPr>
-          <p:cNvPr id="3" name="コンテンツ プレースホルダー 2"/>
-          <p:cNvSpPr>
-            <a:spLocks noGrp="1"/>
-          </p:cNvSpPr>
-          <p:nvPr>
-            <p:ph idx="1"/>
-          </p:nvPr>
-        </p:nvSpPr>
-        <p:spPr/>
-        <p:txBody>
-          <a:bodyPr/>
-          <a:lstStyle/>
-          <a:p>
-            <a:r>
-              <a:rPr kumimoji="1" lang="en-US" altLang="ja-JP" dirty="0" smtClean="0"/>
-              <a:t>Mouse-clicker mode</a:t>
-            </a:r>
-          </a:p>
-          <a:p>
-            <a:pPr lvl="1"/>
-            <a:r>
-              <a:rPr kumimoji="1" lang="en-US" altLang="ja-JP" dirty="0" smtClean="0"/>
-              <a:t>Use as a mouse button</a:t>
-            </a:r>
-          </a:p>
-          <a:p>
-            <a:pPr lvl="1"/>
-            <a:r>
-              <a:rPr kumimoji="1" lang="en-US" altLang="ja-JP" dirty="0" smtClean="0"/>
-              <a:t>Play </a:t>
-            </a:r>
-            <a:r>
-              <a:rPr kumimoji="1" lang="en-US" altLang="ja-JP" dirty="0" smtClean="0"/>
-              <a:t>Cookie Clicker without using your hands</a:t>
-            </a:r>
-          </a:p>
-          <a:p>
-            <a:pPr lvl="1"/>
-            <a:r>
-              <a:rPr lang="en-US" altLang="ja-JP" dirty="0" smtClean="0"/>
-              <a:t>No worries about breaking your </a:t>
-            </a:r>
-            <a:r>
-              <a:rPr lang="en-US" altLang="ja-JP" dirty="0" smtClean="0"/>
-              <a:t>mouse</a:t>
-            </a:r>
-          </a:p>
-        </p:txBody>
-      </p:sp>
-      <p:sp>
-        <p:nvSpPr>
-          <p:cNvPr id="6" name="正方形/長方形 5"/>
-          <p:cNvSpPr/>
-          <p:nvPr/>
         </p:nvSpPr>
         <p:spPr>
           <a:xfrm>
-            <a:off x="6071191" y="19737"/>
-            <a:ext cx="3072809" cy="646331"/>
+            <a:off x="758849" y="2424225"/>
+            <a:ext cx="7704667" cy="1981200"/>
+          </a:xfrm>
+        </p:spPr>
+        <p:txBody>
+          <a:bodyPr/>
+          <a:lstStyle/>
+          <a:p>
+            <a:r>
+              <a:rPr kumimoji="1" lang="en-US" altLang="ja-JP" dirty="0" smtClean="0"/>
+              <a:t>Keep Your Eyes </a:t>
+            </a:r>
+            <a:r>
+              <a:rPr kumimoji="1" lang="en-US" altLang="ja-JP" dirty="0" smtClean="0">
+                <a:solidFill>
+                  <a:srgbClr val="FF0000"/>
+                </a:solidFill>
+              </a:rPr>
+              <a:t>Open</a:t>
+            </a:r>
+            <a:r>
+              <a:rPr kumimoji="1" lang="en-US" altLang="ja-JP" dirty="0" smtClean="0"/>
+              <a:t> for the </a:t>
+            </a:r>
+            <a:r>
+              <a:rPr lang="en-US" altLang="ja-JP" dirty="0" err="1" smtClean="0">
+                <a:solidFill>
+                  <a:srgbClr val="0070C0"/>
+                </a:solidFill>
+              </a:rPr>
+              <a:t>WinC</a:t>
+            </a:r>
+            <a:r>
+              <a:rPr lang="en-US" altLang="ja-JP" dirty="0" smtClean="0"/>
+              <a:t>!!</a:t>
+            </a:r>
+            <a:endParaRPr kumimoji="1" lang="ja-JP" altLang="en-US" dirty="0"/>
+          </a:p>
+        </p:txBody>
+      </p:sp>
+      <p:sp>
+        <p:nvSpPr>
+          <p:cNvPr id="5" name="タイトル 3"/>
+          <p:cNvSpPr txBox="1">
+            <a:spLocks/>
+          </p:cNvSpPr>
+          <p:nvPr/>
+        </p:nvSpPr>
+        <p:spPr>
+          <a:xfrm>
+            <a:off x="368989" y="5039831"/>
+            <a:ext cx="7704667" cy="1006551"/>
           </a:xfrm>
           <a:prstGeom prst="rect">
             <a:avLst/>
           </a:prstGeom>
+          <a:effectLst/>
         </p:spPr>
         <p:txBody>
-          <a:bodyPr wrap="square">
-            <a:spAutoFit/>
+          <a:bodyPr vert="horz" lIns="91440" tIns="45720" rIns="91440" bIns="45720" rtlCol="0" anchor="ctr">
+            <a:normAutofit/>
           </a:bodyPr>
-          <a:lstStyle/>
+          <a:lstStyle>
+            <a:lvl1pPr algn="ctr" defTabSz="457200" rtl="0" eaLnBrk="1" latinLnBrk="0" hangingPunct="1">
+              <a:spcBef>
+                <a:spcPct val="0"/>
+              </a:spcBef>
+              <a:buNone/>
+              <a:defRPr kumimoji="1" sz="4000" kern="1200" cap="none">
+                <a:ln w="3175" cmpd="sng">
+                  <a:noFill/>
+                </a:ln>
+                <a:solidFill>
+                  <a:schemeClr val="tx1"/>
+                </a:solidFill>
+                <a:effectLst/>
+                <a:latin typeface="+mj-lt"/>
+                <a:ea typeface="+mj-ea"/>
+                <a:cs typeface="+mj-cs"/>
+              </a:defRPr>
+            </a:lvl1pPr>
+            <a:lvl2pPr eaLnBrk="1" hangingPunct="1">
+              <a:defRPr kumimoji="1">
+                <a:solidFill>
+                  <a:schemeClr val="tx2"/>
+                </a:solidFill>
+              </a:defRPr>
+            </a:lvl2pPr>
+            <a:lvl3pPr eaLnBrk="1" hangingPunct="1">
+              <a:defRPr kumimoji="1">
+                <a:solidFill>
+                  <a:schemeClr val="tx2"/>
+                </a:solidFill>
+              </a:defRPr>
+            </a:lvl3pPr>
+            <a:lvl4pPr eaLnBrk="1" hangingPunct="1">
+              <a:defRPr kumimoji="1">
+                <a:solidFill>
+                  <a:schemeClr val="tx2"/>
+                </a:solidFill>
+              </a:defRPr>
+            </a:lvl4pPr>
+            <a:lvl5pPr eaLnBrk="1" hangingPunct="1">
+              <a:defRPr kumimoji="1">
+                <a:solidFill>
+                  <a:schemeClr val="tx2"/>
+                </a:solidFill>
+              </a:defRPr>
+            </a:lvl5pPr>
+            <a:lvl6pPr eaLnBrk="1" hangingPunct="1">
+              <a:defRPr kumimoji="1">
+                <a:solidFill>
+                  <a:schemeClr val="tx2"/>
+                </a:solidFill>
+              </a:defRPr>
+            </a:lvl6pPr>
+            <a:lvl7pPr eaLnBrk="1" hangingPunct="1">
+              <a:defRPr kumimoji="1">
+                <a:solidFill>
+                  <a:schemeClr val="tx2"/>
+                </a:solidFill>
+              </a:defRPr>
+            </a:lvl7pPr>
+            <a:lvl8pPr eaLnBrk="1" hangingPunct="1">
+              <a:defRPr kumimoji="1">
+                <a:solidFill>
+                  <a:schemeClr val="tx2"/>
+                </a:solidFill>
+              </a:defRPr>
+            </a:lvl8pPr>
+            <a:lvl9pPr eaLnBrk="1" hangingPunct="1">
+              <a:defRPr kumimoji="1">
+                <a:solidFill>
+                  <a:schemeClr val="tx2"/>
+                </a:solidFill>
+              </a:defRPr>
+            </a:lvl9pPr>
+          </a:lstStyle>
           <a:p>
             <a:pPr algn="r"/>
             <a:r>
-              <a:rPr lang="en-US" altLang="ja-JP" dirty="0">
-                <a:solidFill>
-                  <a:schemeClr val="bg2">
-                    <a:lumMod val="50000"/>
-                  </a:schemeClr>
-                </a:solidFill>
-              </a:rPr>
-              <a:t>WINC</a:t>
-            </a:r>
-            <a:br>
-              <a:rPr lang="en-US" altLang="ja-JP" dirty="0">
-                <a:solidFill>
-                  <a:schemeClr val="bg2">
-                    <a:lumMod val="50000"/>
-                  </a:schemeClr>
-                </a:solidFill>
-              </a:rPr>
-            </a:br>
-            <a:r>
-              <a:rPr lang="en-US" altLang="ja-JP" dirty="0">
-                <a:solidFill>
-                  <a:schemeClr val="accent2">
-                    <a:lumMod val="60000"/>
-                    <a:lumOff val="40000"/>
-                  </a:schemeClr>
-                </a:solidFill>
-              </a:rPr>
-              <a:t>W</a:t>
-            </a:r>
-            <a:r>
-              <a:rPr lang="en-US" altLang="ja-JP" dirty="0">
-                <a:solidFill>
-                  <a:schemeClr val="bg2">
-                    <a:lumMod val="50000"/>
-                  </a:schemeClr>
-                </a:solidFill>
-              </a:rPr>
-              <a:t>INC </a:t>
-            </a:r>
-            <a:r>
-              <a:rPr lang="en-US" altLang="ja-JP" dirty="0">
-                <a:solidFill>
-                  <a:schemeClr val="accent2">
-                    <a:lumMod val="60000"/>
-                    <a:lumOff val="40000"/>
-                  </a:schemeClr>
-                </a:solidFill>
-              </a:rPr>
-              <a:t>I</a:t>
-            </a:r>
-            <a:r>
-              <a:rPr lang="en-US" altLang="ja-JP" dirty="0">
-                <a:solidFill>
-                  <a:schemeClr val="bg2">
-                    <a:lumMod val="50000"/>
-                  </a:schemeClr>
-                </a:solidFill>
-              </a:rPr>
-              <a:t>s </a:t>
-            </a:r>
-            <a:r>
-              <a:rPr lang="en-US" altLang="ja-JP" dirty="0">
-                <a:solidFill>
-                  <a:schemeClr val="accent2">
-                    <a:lumMod val="60000"/>
-                    <a:lumOff val="40000"/>
-                  </a:schemeClr>
-                </a:solidFill>
-              </a:rPr>
-              <a:t>N</a:t>
-            </a:r>
-            <a:r>
-              <a:rPr lang="en-US" altLang="ja-JP" dirty="0">
-                <a:solidFill>
-                  <a:schemeClr val="bg2">
-                    <a:lumMod val="50000"/>
-                  </a:schemeClr>
-                </a:solidFill>
-              </a:rPr>
-              <a:t>ot a </a:t>
-            </a:r>
-            <a:r>
-              <a:rPr lang="en-US" altLang="ja-JP" dirty="0">
-                <a:solidFill>
-                  <a:schemeClr val="accent2">
-                    <a:lumMod val="60000"/>
-                    <a:lumOff val="40000"/>
-                  </a:schemeClr>
-                </a:solidFill>
-              </a:rPr>
-              <a:t>C</a:t>
-            </a:r>
-            <a:r>
-              <a:rPr lang="en-US" altLang="ja-JP" dirty="0">
-                <a:solidFill>
-                  <a:schemeClr val="bg2">
-                    <a:lumMod val="50000"/>
-                  </a:schemeClr>
-                </a:solidFill>
-              </a:rPr>
-              <a:t>ommunication</a:t>
-            </a:r>
-            <a:endParaRPr lang="ja-JP" altLang="en-US" dirty="0">
-              <a:solidFill>
-                <a:schemeClr val="bg2">
-                  <a:lumMod val="50000"/>
-                </a:schemeClr>
-              </a:solidFill>
-            </a:endParaRPr>
+              <a:rPr lang="en-US" altLang="ja-JP" dirty="0" smtClean="0"/>
+              <a:t>Thank you.</a:t>
+            </a:r>
+            <a:endParaRPr lang="ja-JP" altLang="en-US" dirty="0"/>
           </a:p>
         </p:txBody>
       </p:sp>
     </p:spTree>
     <p:extLst>
       <p:ext uri="{BB962C8B-B14F-4D97-AF65-F5344CB8AC3E}">
-        <p14:creationId xmlns:p14="http://schemas.microsoft.com/office/powerpoint/2010/main" val="321185382"/>
-      </p:ext>
-    </p:extLst>
-  </p:cSld>
-  <p:clrMapOvr>
-    <a:masterClrMapping/>
-  </p:clrMapOvr>
-</p:sld>
-</file>
-
-<file path=ppt/slides/slide5.xml><?xml version="1.0" encoding="utf-8"?>
-<p:sld xmlns:a="http://schemas.openxmlformats.org/drawingml/2006/main" xmlns:r="http://schemas.openxmlformats.org/officeDocument/2006/relationships" xmlns:p="http://schemas.openxmlformats.org/presentationml/2006/main">
-  <p:cSld>
-    <p:spTree>
-      <p:nvGrpSpPr>
-        <p:cNvPr id="1" name=""/>
-        <p:cNvGrpSpPr/>
-        <p:nvPr/>
-      </p:nvGrpSpPr>
-      <p:grpSpPr>
-        <a:xfrm>
-          <a:off x="0" y="0"/>
-          <a:ext cx="0" cy="0"/>
-          <a:chOff x="0" y="0"/>
-          <a:chExt cx="0" cy="0"/>
-        </a:xfrm>
-      </p:grpSpPr>
-      <p:sp>
-        <p:nvSpPr>
-          <p:cNvPr id="2" name="タイトル 1"/>
-          <p:cNvSpPr>
-            <a:spLocks noGrp="1"/>
-          </p:cNvSpPr>
-          <p:nvPr>
-            <p:ph type="title"/>
-          </p:nvPr>
-        </p:nvSpPr>
-        <p:spPr/>
-        <p:txBody>
-          <a:bodyPr/>
-          <a:lstStyle/>
-          <a:p>
-            <a:r>
-              <a:rPr lang="en-US" altLang="ja-JP" dirty="0"/>
-              <a:t>Applications – Signal Sender</a:t>
-            </a:r>
-            <a:endParaRPr kumimoji="1" lang="ja-JP" altLang="en-US" dirty="0"/>
-          </a:p>
-        </p:txBody>
-      </p:sp>
-      <p:sp>
-        <p:nvSpPr>
-          <p:cNvPr id="3" name="コンテンツ プレースホルダー 2"/>
-          <p:cNvSpPr>
-            <a:spLocks noGrp="1"/>
-          </p:cNvSpPr>
-          <p:nvPr>
-            <p:ph idx="1"/>
-          </p:nvPr>
-        </p:nvSpPr>
-        <p:spPr>
-          <a:xfrm>
-            <a:off x="982133" y="2666999"/>
-            <a:ext cx="7704667" cy="4020879"/>
-          </a:xfrm>
-        </p:spPr>
-        <p:txBody>
-          <a:bodyPr>
-            <a:normAutofit/>
-          </a:bodyPr>
-          <a:lstStyle/>
-          <a:p>
-            <a:r>
-              <a:rPr lang="en-US" altLang="ja-JP" dirty="0"/>
-              <a:t>Question the way of </a:t>
-            </a:r>
-            <a:r>
-              <a:rPr lang="en-US" altLang="ja-JP" dirty="0" err="1"/>
-              <a:t>IoT</a:t>
-            </a:r>
-            <a:endParaRPr lang="en-US" altLang="ja-JP" dirty="0"/>
-          </a:p>
-          <a:p>
-            <a:pPr lvl="1"/>
-            <a:r>
-              <a:rPr lang="en-US" altLang="ja-JP" dirty="0"/>
-              <a:t>Does everything really need an Internet access</a:t>
-            </a:r>
-            <a:r>
-              <a:rPr lang="en-US" altLang="ja-JP" dirty="0" smtClean="0"/>
-              <a:t>?</a:t>
-            </a:r>
-          </a:p>
-          <a:p>
-            <a:endParaRPr lang="en-US" altLang="ja-JP" dirty="0" smtClean="0"/>
-          </a:p>
-          <a:p>
-            <a:r>
-              <a:rPr lang="en-US" altLang="ja-JP" dirty="0" smtClean="0"/>
-              <a:t>Weather Forecast Displayer</a:t>
-            </a:r>
-            <a:endParaRPr lang="en-US" altLang="ja-JP" dirty="0"/>
-          </a:p>
-          <a:p>
-            <a:pPr lvl="1"/>
-            <a:r>
-              <a:rPr lang="en-US" altLang="ja-JP" dirty="0" smtClean="0"/>
-              <a:t>IR </a:t>
-            </a:r>
-            <a:r>
-              <a:rPr lang="en-US" altLang="ja-JP" dirty="0"/>
-              <a:t>transmitter on </a:t>
-            </a:r>
-            <a:r>
-              <a:rPr lang="en-US" altLang="ja-JP" dirty="0" smtClean="0"/>
-              <a:t>glasses</a:t>
-            </a:r>
-          </a:p>
-          <a:p>
-            <a:pPr lvl="2"/>
-            <a:r>
-              <a:rPr lang="en-US" altLang="ja-JP" dirty="0" smtClean="0"/>
-              <a:t>Device only needs IR receiver</a:t>
-            </a:r>
-          </a:p>
-          <a:p>
-            <a:pPr lvl="2"/>
-            <a:r>
-              <a:rPr lang="en-US" altLang="ja-JP" dirty="0" smtClean="0"/>
-              <a:t>Cheap</a:t>
-            </a:r>
-            <a:endParaRPr lang="en-US" altLang="ja-JP" dirty="0"/>
-          </a:p>
-          <a:p>
-            <a:pPr lvl="2"/>
-            <a:r>
-              <a:rPr lang="en-US" altLang="ja-JP" dirty="0"/>
-              <a:t>Simple &amp; easily personalized</a:t>
-            </a:r>
-          </a:p>
-          <a:p>
-            <a:endParaRPr kumimoji="1" lang="ja-JP" altLang="en-US" dirty="0"/>
-          </a:p>
-        </p:txBody>
-      </p:sp>
-      <p:sp>
-        <p:nvSpPr>
-          <p:cNvPr id="4" name="正方形/長方形 3"/>
-          <p:cNvSpPr/>
-          <p:nvPr/>
-        </p:nvSpPr>
-        <p:spPr>
-          <a:xfrm>
-            <a:off x="6071191" y="19737"/>
-            <a:ext cx="3072809" cy="646331"/>
-          </a:xfrm>
-          <a:prstGeom prst="rect">
-            <a:avLst/>
-          </a:prstGeom>
-        </p:spPr>
-        <p:txBody>
-          <a:bodyPr wrap="square">
-            <a:spAutoFit/>
-          </a:bodyPr>
-          <a:lstStyle/>
-          <a:p>
-            <a:pPr algn="r"/>
-            <a:r>
-              <a:rPr lang="en-US" altLang="ja-JP" dirty="0">
-                <a:solidFill>
-                  <a:schemeClr val="bg2">
-                    <a:lumMod val="50000"/>
-                  </a:schemeClr>
-                </a:solidFill>
-              </a:rPr>
-              <a:t>WINC</a:t>
-            </a:r>
-            <a:br>
-              <a:rPr lang="en-US" altLang="ja-JP" dirty="0">
-                <a:solidFill>
-                  <a:schemeClr val="bg2">
-                    <a:lumMod val="50000"/>
-                  </a:schemeClr>
-                </a:solidFill>
-              </a:rPr>
-            </a:br>
-            <a:r>
-              <a:rPr lang="en-US" altLang="ja-JP" dirty="0">
-                <a:solidFill>
-                  <a:schemeClr val="accent2">
-                    <a:lumMod val="60000"/>
-                    <a:lumOff val="40000"/>
-                  </a:schemeClr>
-                </a:solidFill>
-              </a:rPr>
-              <a:t>W</a:t>
-            </a:r>
-            <a:r>
-              <a:rPr lang="en-US" altLang="ja-JP" dirty="0">
-                <a:solidFill>
-                  <a:schemeClr val="bg2">
-                    <a:lumMod val="50000"/>
-                  </a:schemeClr>
-                </a:solidFill>
-              </a:rPr>
-              <a:t>INC </a:t>
-            </a:r>
-            <a:r>
-              <a:rPr lang="en-US" altLang="ja-JP" dirty="0">
-                <a:solidFill>
-                  <a:schemeClr val="accent2">
-                    <a:lumMod val="60000"/>
-                    <a:lumOff val="40000"/>
-                  </a:schemeClr>
-                </a:solidFill>
-              </a:rPr>
-              <a:t>I</a:t>
-            </a:r>
-            <a:r>
-              <a:rPr lang="en-US" altLang="ja-JP" dirty="0">
-                <a:solidFill>
-                  <a:schemeClr val="bg2">
-                    <a:lumMod val="50000"/>
-                  </a:schemeClr>
-                </a:solidFill>
-              </a:rPr>
-              <a:t>s </a:t>
-            </a:r>
-            <a:r>
-              <a:rPr lang="en-US" altLang="ja-JP" dirty="0">
-                <a:solidFill>
-                  <a:schemeClr val="accent2">
-                    <a:lumMod val="60000"/>
-                    <a:lumOff val="40000"/>
-                  </a:schemeClr>
-                </a:solidFill>
-              </a:rPr>
-              <a:t>N</a:t>
-            </a:r>
-            <a:r>
-              <a:rPr lang="en-US" altLang="ja-JP" dirty="0">
-                <a:solidFill>
-                  <a:schemeClr val="bg2">
-                    <a:lumMod val="50000"/>
-                  </a:schemeClr>
-                </a:solidFill>
-              </a:rPr>
-              <a:t>ot a </a:t>
-            </a:r>
-            <a:r>
-              <a:rPr lang="en-US" altLang="ja-JP" dirty="0">
-                <a:solidFill>
-                  <a:schemeClr val="accent2">
-                    <a:lumMod val="60000"/>
-                    <a:lumOff val="40000"/>
-                  </a:schemeClr>
-                </a:solidFill>
-              </a:rPr>
-              <a:t>C</a:t>
-            </a:r>
-            <a:r>
-              <a:rPr lang="en-US" altLang="ja-JP" dirty="0">
-                <a:solidFill>
-                  <a:schemeClr val="bg2">
-                    <a:lumMod val="50000"/>
-                  </a:schemeClr>
-                </a:solidFill>
-              </a:rPr>
-              <a:t>ommunication</a:t>
-            </a:r>
-            <a:endParaRPr lang="ja-JP" altLang="en-US" dirty="0">
-              <a:solidFill>
-                <a:schemeClr val="bg2">
-                  <a:lumMod val="50000"/>
-                </a:schemeClr>
-              </a:solidFill>
-            </a:endParaRPr>
-          </a:p>
-        </p:txBody>
-      </p:sp>
-    </p:spTree>
-    <p:extLst>
-      <p:ext uri="{BB962C8B-B14F-4D97-AF65-F5344CB8AC3E}">
-        <p14:creationId xmlns:p14="http://schemas.microsoft.com/office/powerpoint/2010/main" val="316515329"/>
-      </p:ext>
-    </p:extLst>
-  </p:cSld>
-  <p:clrMapOvr>
-    <a:masterClrMapping/>
-  </p:clrMapOvr>
-</p:sld>
-</file>
-
-<file path=ppt/slides/slide6.xml><?xml version="1.0" encoding="utf-8"?>
-<p:sld xmlns:a="http://schemas.openxmlformats.org/drawingml/2006/main" xmlns:r="http://schemas.openxmlformats.org/officeDocument/2006/relationships" xmlns:p="http://schemas.openxmlformats.org/presentationml/2006/main">
-  <p:cSld>
-    <p:spTree>
-      <p:nvGrpSpPr>
-        <p:cNvPr id="1" name=""/>
-        <p:cNvGrpSpPr/>
-        <p:nvPr/>
-      </p:nvGrpSpPr>
-      <p:grpSpPr>
-        <a:xfrm>
-          <a:off x="0" y="0"/>
-          <a:ext cx="0" cy="0"/>
-          <a:chOff x="0" y="0"/>
-          <a:chExt cx="0" cy="0"/>
-        </a:xfrm>
-      </p:grpSpPr>
-      <p:sp>
-        <p:nvSpPr>
-          <p:cNvPr id="2" name="タイトル 1"/>
-          <p:cNvSpPr>
-            <a:spLocks noGrp="1"/>
-          </p:cNvSpPr>
-          <p:nvPr>
-            <p:ph type="title"/>
-          </p:nvPr>
-        </p:nvSpPr>
-        <p:spPr/>
-        <p:txBody>
-          <a:bodyPr/>
-          <a:lstStyle/>
-          <a:p>
-            <a:r>
-              <a:rPr lang="en-US" altLang="ja-JP" dirty="0"/>
-              <a:t>Applications – </a:t>
-            </a:r>
-            <a:r>
-              <a:rPr lang="en-US" altLang="ja-JP" dirty="0" smtClean="0"/>
-              <a:t>Contact Exchange</a:t>
-            </a:r>
-            <a:endParaRPr kumimoji="1" lang="ja-JP" altLang="en-US" dirty="0"/>
-          </a:p>
-        </p:txBody>
-      </p:sp>
-      <p:sp>
-        <p:nvSpPr>
-          <p:cNvPr id="3" name="コンテンツ プレースホルダー 2"/>
-          <p:cNvSpPr>
-            <a:spLocks noGrp="1"/>
-          </p:cNvSpPr>
-          <p:nvPr>
-            <p:ph idx="1"/>
-          </p:nvPr>
-        </p:nvSpPr>
-        <p:spPr>
-          <a:xfrm>
-            <a:off x="982133" y="2666999"/>
-            <a:ext cx="7704667" cy="4020879"/>
-          </a:xfrm>
-        </p:spPr>
-        <p:txBody>
-          <a:bodyPr>
-            <a:normAutofit/>
-          </a:bodyPr>
-          <a:lstStyle/>
-          <a:p>
-            <a:r>
-              <a:rPr lang="en-US" altLang="ja-JP" dirty="0" smtClean="0"/>
-              <a:t>Exchange contact info between devices</a:t>
-            </a:r>
-          </a:p>
-          <a:p>
-            <a:pPr lvl="1"/>
-            <a:r>
-              <a:rPr lang="en-US" altLang="ja-JP" dirty="0" smtClean="0"/>
-              <a:t>Trigger &amp; facilitate communication</a:t>
-            </a:r>
-            <a:endParaRPr kumimoji="1" lang="ja-JP" altLang="en-US" dirty="0"/>
-          </a:p>
-        </p:txBody>
-      </p:sp>
-      <p:sp>
-        <p:nvSpPr>
-          <p:cNvPr id="4" name="正方形/長方形 3"/>
-          <p:cNvSpPr/>
-          <p:nvPr/>
-        </p:nvSpPr>
-        <p:spPr>
-          <a:xfrm>
-            <a:off x="6071191" y="19737"/>
-            <a:ext cx="3072809" cy="646331"/>
-          </a:xfrm>
-          <a:prstGeom prst="rect">
-            <a:avLst/>
-          </a:prstGeom>
-        </p:spPr>
-        <p:txBody>
-          <a:bodyPr wrap="square">
-            <a:spAutoFit/>
-          </a:bodyPr>
-          <a:lstStyle/>
-          <a:p>
-            <a:pPr algn="r"/>
-            <a:r>
-              <a:rPr lang="en-US" altLang="ja-JP" dirty="0">
-                <a:solidFill>
-                  <a:schemeClr val="bg2">
-                    <a:lumMod val="50000"/>
-                  </a:schemeClr>
-                </a:solidFill>
-              </a:rPr>
-              <a:t>WINC</a:t>
-            </a:r>
-            <a:br>
-              <a:rPr lang="en-US" altLang="ja-JP" dirty="0">
-                <a:solidFill>
-                  <a:schemeClr val="bg2">
-                    <a:lumMod val="50000"/>
-                  </a:schemeClr>
-                </a:solidFill>
-              </a:rPr>
-            </a:br>
-            <a:r>
-              <a:rPr lang="en-US" altLang="ja-JP" dirty="0">
-                <a:solidFill>
-                  <a:schemeClr val="accent2">
-                    <a:lumMod val="60000"/>
-                    <a:lumOff val="40000"/>
-                  </a:schemeClr>
-                </a:solidFill>
-              </a:rPr>
-              <a:t>W</a:t>
-            </a:r>
-            <a:r>
-              <a:rPr lang="en-US" altLang="ja-JP" dirty="0">
-                <a:solidFill>
-                  <a:schemeClr val="bg2">
-                    <a:lumMod val="50000"/>
-                  </a:schemeClr>
-                </a:solidFill>
-              </a:rPr>
-              <a:t>INC </a:t>
-            </a:r>
-            <a:r>
-              <a:rPr lang="en-US" altLang="ja-JP" dirty="0">
-                <a:solidFill>
-                  <a:schemeClr val="accent2">
-                    <a:lumMod val="60000"/>
-                    <a:lumOff val="40000"/>
-                  </a:schemeClr>
-                </a:solidFill>
-              </a:rPr>
-              <a:t>I</a:t>
-            </a:r>
-            <a:r>
-              <a:rPr lang="en-US" altLang="ja-JP" dirty="0">
-                <a:solidFill>
-                  <a:schemeClr val="bg2">
-                    <a:lumMod val="50000"/>
-                  </a:schemeClr>
-                </a:solidFill>
-              </a:rPr>
-              <a:t>s </a:t>
-            </a:r>
-            <a:r>
-              <a:rPr lang="en-US" altLang="ja-JP" dirty="0">
-                <a:solidFill>
-                  <a:schemeClr val="accent2">
-                    <a:lumMod val="60000"/>
-                    <a:lumOff val="40000"/>
-                  </a:schemeClr>
-                </a:solidFill>
-              </a:rPr>
-              <a:t>N</a:t>
-            </a:r>
-            <a:r>
-              <a:rPr lang="en-US" altLang="ja-JP" dirty="0">
-                <a:solidFill>
-                  <a:schemeClr val="bg2">
-                    <a:lumMod val="50000"/>
-                  </a:schemeClr>
-                </a:solidFill>
-              </a:rPr>
-              <a:t>ot a </a:t>
-            </a:r>
-            <a:r>
-              <a:rPr lang="en-US" altLang="ja-JP" dirty="0">
-                <a:solidFill>
-                  <a:schemeClr val="accent2">
-                    <a:lumMod val="60000"/>
-                    <a:lumOff val="40000"/>
-                  </a:schemeClr>
-                </a:solidFill>
-              </a:rPr>
-              <a:t>C</a:t>
-            </a:r>
-            <a:r>
-              <a:rPr lang="en-US" altLang="ja-JP" dirty="0">
-                <a:solidFill>
-                  <a:schemeClr val="bg2">
-                    <a:lumMod val="50000"/>
-                  </a:schemeClr>
-                </a:solidFill>
-              </a:rPr>
-              <a:t>ommunication</a:t>
-            </a:r>
-            <a:endParaRPr lang="ja-JP" altLang="en-US" dirty="0">
-              <a:solidFill>
-                <a:schemeClr val="bg2">
-                  <a:lumMod val="50000"/>
-                </a:schemeClr>
-              </a:solidFill>
-            </a:endParaRPr>
-          </a:p>
-        </p:txBody>
-      </p:sp>
-    </p:spTree>
-    <p:extLst>
-      <p:ext uri="{BB962C8B-B14F-4D97-AF65-F5344CB8AC3E}">
-        <p14:creationId xmlns:p14="http://schemas.microsoft.com/office/powerpoint/2010/main" val="1981711742"/>
+        <p14:creationId xmlns:p14="http://schemas.microsoft.com/office/powerpoint/2010/main" val="352646811"/>
       </p:ext>
     </p:extLst>
   </p:cSld>

--- a/Presentation/winkie（仮称）.pptx
+++ b/Presentation/winkie（仮称）.pptx
@@ -6631,14 +6631,18 @@
           <a:lstStyle/>
           <a:p>
             <a:r>
-              <a:rPr lang="en-US" altLang="ja-JP" dirty="0" smtClean="0"/>
-              <a:t>WINC</a:t>
+              <a:rPr lang="en-US" altLang="ja-JP" dirty="0" err="1" smtClean="0"/>
+              <a:t>WinC</a:t>
+            </a:r>
+            <a:r>
+              <a:rPr lang="en-US" altLang="ja-JP" smtClean="0"/>
+              <a:t/>
             </a:r>
             <a:br>
-              <a:rPr lang="en-US" altLang="ja-JP" dirty="0" smtClean="0"/>
+              <a:rPr lang="en-US" altLang="ja-JP" smtClean="0"/>
             </a:br>
             <a:r>
-              <a:rPr lang="en-US" altLang="ja-JP" sz="2000" dirty="0" smtClean="0">
+              <a:rPr lang="en-US" altLang="ja-JP" sz="2000" smtClean="0">
                 <a:solidFill>
                   <a:srgbClr val="FF0000"/>
                 </a:solidFill>
@@ -6646,8 +6650,12 @@
               <a:t>W</a:t>
             </a:r>
             <a:r>
-              <a:rPr lang="en-US" altLang="ja-JP" sz="2000" dirty="0" smtClean="0"/>
-              <a:t>INC </a:t>
+              <a:rPr lang="en-US" altLang="ja-JP" sz="2000" smtClean="0"/>
+              <a:t>in</a:t>
+            </a:r>
+            <a:r>
+              <a:rPr lang="en-US" altLang="ja-JP" sz="2000" smtClean="0"/>
+              <a:t>C </a:t>
             </a:r>
             <a:r>
               <a:rPr lang="en-US" altLang="ja-JP" sz="2000" dirty="0" smtClean="0">
@@ -6729,6 +6737,13 @@
   <p:clrMapOvr>
     <a:masterClrMapping/>
   </p:clrMapOvr>
+  <p:timing>
+    <p:tnLst>
+      <p:par>
+        <p:cTn id="1" dur="indefinite" restart="never" nodeType="tmRoot"/>
+      </p:par>
+    </p:tnLst>
+  </p:timing>
 </p:sld>
 </file>
 
@@ -7002,6 +7017,13 @@
   <p:clrMapOvr>
     <a:masterClrMapping/>
   </p:clrMapOvr>
+  <p:timing>
+    <p:tnLst>
+      <p:par>
+        <p:cTn id="1" dur="indefinite" restart="never" nodeType="tmRoot"/>
+      </p:par>
+    </p:tnLst>
+  </p:timing>
 </p:sld>
 </file>
 
@@ -7233,6 +7255,13 @@
   <p:clrMapOvr>
     <a:masterClrMapping/>
   </p:clrMapOvr>
+  <p:timing>
+    <p:tnLst>
+      <p:par>
+        <p:cTn id="1" dur="indefinite" restart="never" nodeType="tmRoot"/>
+      </p:par>
+    </p:tnLst>
+  </p:timing>
 </p:sld>
 </file>
 
@@ -7524,6 +7553,13 @@
   <p:clrMapOvr>
     <a:masterClrMapping/>
   </p:clrMapOvr>
+  <p:timing>
+    <p:tnLst>
+      <p:par>
+        <p:cTn id="1" dur="indefinite" restart="never" nodeType="tmRoot"/>
+      </p:par>
+    </p:tnLst>
+  </p:timing>
 </p:sld>
 </file>
 
@@ -7767,6 +7803,13 @@
   <p:clrMapOvr>
     <a:masterClrMapping/>
   </p:clrMapOvr>
+  <p:timing>
+    <p:tnLst>
+      <p:par>
+        <p:cTn id="1" dur="indefinite" restart="never" nodeType="tmRoot"/>
+      </p:par>
+    </p:tnLst>
+  </p:timing>
 </p:sld>
 </file>
 
@@ -8765,6 +8808,13 @@
   <p:clrMapOvr>
     <a:masterClrMapping/>
   </p:clrMapOvr>
+  <p:timing>
+    <p:tnLst>
+      <p:par>
+        <p:cTn id="1" dur="indefinite" restart="never" nodeType="tmRoot"/>
+      </p:par>
+    </p:tnLst>
+  </p:timing>
 </p:sld>
 </file>
 
@@ -8819,7 +8869,7 @@
             </a:r>
             <a:r>
               <a:rPr kumimoji="1" lang="en-US" altLang="ja-JP" dirty="0" smtClean="0"/>
-              <a:t> for the </a:t>
+              <a:t> on the </a:t>
             </a:r>
             <a:r>
               <a:rPr lang="en-US" altLang="ja-JP" dirty="0" err="1" smtClean="0">
@@ -8955,6 +9005,13 @@
   <p:clrMapOvr>
     <a:masterClrMapping/>
   </p:clrMapOvr>
+  <p:timing>
+    <p:tnLst>
+      <p:par>
+        <p:cTn id="1" dur="indefinite" restart="never" nodeType="tmRoot"/>
+      </p:par>
+    </p:tnLst>
+  </p:timing>
 </p:sld>
 </file>
 
